--- a/Documents/50%.pptx
+++ b/Documents/50%.pptx
@@ -4,12 +4,18 @@
   <p:sldMasterIdLst>
     <p:sldMasterId id="2147483738" r:id="rId1"/>
   </p:sldMasterIdLst>
+  <p:notesMasterIdLst>
+    <p:notesMasterId r:id="rId10"/>
+  </p:notesMasterIdLst>
   <p:sldIdLst>
     <p:sldId id="256" r:id="rId2"/>
     <p:sldId id="257" r:id="rId3"/>
     <p:sldId id="258" r:id="rId4"/>
     <p:sldId id="259" r:id="rId5"/>
     <p:sldId id="260" r:id="rId6"/>
+    <p:sldId id="261" r:id="rId7"/>
+    <p:sldId id="262" r:id="rId8"/>
+    <p:sldId id="263" r:id="rId9"/>
   </p:sldIdLst>
   <p:sldSz cx="12192000" cy="6858000"/>
   <p:notesSz cx="6858000" cy="9144000"/>
@@ -108,7 +114,3038 @@
       </a:defRPr>
     </a:lvl9pPr>
   </p:defaultTextStyle>
+  <p:extLst>
+    <p:ext uri="{EFAFB233-063F-42B5-8137-9DF3F51BA10A}">
+      <p15:sldGuideLst xmlns:p15="http://schemas.microsoft.com/office/powerpoint/2012/main"/>
+    </p:ext>
+  </p:extLst>
 </p:presentation>
+</file>
+
+<file path=ppt/notesMasters/notesMaster1.xml><?xml version="1.0" encoding="utf-8"?>
+<p:notesMaster xmlns:a="http://schemas.openxmlformats.org/drawingml/2006/main" xmlns:r="http://schemas.openxmlformats.org/officeDocument/2006/relationships" xmlns:p="http://schemas.openxmlformats.org/presentationml/2006/main">
+  <p:cSld>
+    <p:bg>
+      <p:bgRef idx="1001">
+        <a:schemeClr val="bg1"/>
+      </p:bgRef>
+    </p:bg>
+    <p:spTree>
+      <p:nvGrpSpPr>
+        <p:cNvPr id="1" name=""/>
+        <p:cNvGrpSpPr/>
+        <p:nvPr/>
+      </p:nvGrpSpPr>
+      <p:grpSpPr>
+        <a:xfrm>
+          <a:off x="0" y="0"/>
+          <a:ext cx="0" cy="0"/>
+          <a:chOff x="0" y="0"/>
+          <a:chExt cx="0" cy="0"/>
+        </a:xfrm>
+      </p:grpSpPr>
+      <p:sp>
+        <p:nvSpPr>
+          <p:cNvPr id="2" name="Header Placeholder 1"/>
+          <p:cNvSpPr>
+            <a:spLocks noGrp="1"/>
+          </p:cNvSpPr>
+          <p:nvPr>
+            <p:ph type="hdr" sz="quarter"/>
+          </p:nvPr>
+        </p:nvSpPr>
+        <p:spPr>
+          <a:xfrm>
+            <a:off x="0" y="0"/>
+            <a:ext cx="2971800" cy="458788"/>
+          </a:xfrm>
+          <a:prstGeom prst="rect">
+            <a:avLst/>
+          </a:prstGeom>
+        </p:spPr>
+        <p:txBody>
+          <a:bodyPr vert="horz" lIns="91440" tIns="45720" rIns="91440" bIns="45720" rtlCol="0"/>
+          <a:lstStyle>
+            <a:lvl1pPr algn="l">
+              <a:defRPr sz="1200"/>
+            </a:lvl1pPr>
+          </a:lstStyle>
+          <a:p>
+            <a:endParaRPr lang="en-NL"/>
+          </a:p>
+        </p:txBody>
+      </p:sp>
+      <p:sp>
+        <p:nvSpPr>
+          <p:cNvPr id="3" name="Date Placeholder 2"/>
+          <p:cNvSpPr>
+            <a:spLocks noGrp="1"/>
+          </p:cNvSpPr>
+          <p:nvPr>
+            <p:ph type="dt" idx="1"/>
+          </p:nvPr>
+        </p:nvSpPr>
+        <p:spPr>
+          <a:xfrm>
+            <a:off x="3884613" y="0"/>
+            <a:ext cx="2971800" cy="458788"/>
+          </a:xfrm>
+          <a:prstGeom prst="rect">
+            <a:avLst/>
+          </a:prstGeom>
+        </p:spPr>
+        <p:txBody>
+          <a:bodyPr vert="horz" lIns="91440" tIns="45720" rIns="91440" bIns="45720" rtlCol="0"/>
+          <a:lstStyle>
+            <a:lvl1pPr algn="r">
+              <a:defRPr sz="1200"/>
+            </a:lvl1pPr>
+          </a:lstStyle>
+          <a:p>
+            <a:fld id="{99EF76FD-B96A-4749-8EB1-F5B23D30627C}" type="datetimeFigureOut">
+              <a:rPr lang="en-NL" smtClean="0"/>
+              <a:t>02/04/2024</a:t>
+            </a:fld>
+            <a:endParaRPr lang="en-NL"/>
+          </a:p>
+        </p:txBody>
+      </p:sp>
+      <p:sp>
+        <p:nvSpPr>
+          <p:cNvPr id="4" name="Slide Image Placeholder 3"/>
+          <p:cNvSpPr>
+            <a:spLocks noGrp="1" noRot="1" noChangeAspect="1"/>
+          </p:cNvSpPr>
+          <p:nvPr>
+            <p:ph type="sldImg" idx="2"/>
+          </p:nvPr>
+        </p:nvSpPr>
+        <p:spPr>
+          <a:xfrm>
+            <a:off x="685800" y="1143000"/>
+            <a:ext cx="5486400" cy="3086100"/>
+          </a:xfrm>
+          <a:prstGeom prst="rect">
+            <a:avLst/>
+          </a:prstGeom>
+          <a:noFill/>
+          <a:ln w="12700">
+            <a:solidFill>
+              <a:prstClr val="black"/>
+            </a:solidFill>
+          </a:ln>
+        </p:spPr>
+        <p:txBody>
+          <a:bodyPr vert="horz" lIns="91440" tIns="45720" rIns="91440" bIns="45720" rtlCol="0" anchor="ctr"/>
+          <a:lstStyle/>
+          <a:p>
+            <a:endParaRPr lang="en-NL"/>
+          </a:p>
+        </p:txBody>
+      </p:sp>
+      <p:sp>
+        <p:nvSpPr>
+          <p:cNvPr id="5" name="Notes Placeholder 4"/>
+          <p:cNvSpPr>
+            <a:spLocks noGrp="1"/>
+          </p:cNvSpPr>
+          <p:nvPr>
+            <p:ph type="body" sz="quarter" idx="3"/>
+          </p:nvPr>
+        </p:nvSpPr>
+        <p:spPr>
+          <a:xfrm>
+            <a:off x="685800" y="4400550"/>
+            <a:ext cx="5486400" cy="3600450"/>
+          </a:xfrm>
+          <a:prstGeom prst="rect">
+            <a:avLst/>
+          </a:prstGeom>
+        </p:spPr>
+        <p:txBody>
+          <a:bodyPr vert="horz" lIns="91440" tIns="45720" rIns="91440" bIns="45720" rtlCol="0"/>
+          <a:lstStyle/>
+          <a:p>
+            <a:pPr lvl="0"/>
+            <a:r>
+              <a:rPr lang="en-US"/>
+              <a:t>Click to edit Master text styles</a:t>
+            </a:r>
+          </a:p>
+          <a:p>
+            <a:pPr lvl="1"/>
+            <a:r>
+              <a:rPr lang="en-US"/>
+              <a:t>Second level</a:t>
+            </a:r>
+          </a:p>
+          <a:p>
+            <a:pPr lvl="2"/>
+            <a:r>
+              <a:rPr lang="en-US"/>
+              <a:t>Third level</a:t>
+            </a:r>
+          </a:p>
+          <a:p>
+            <a:pPr lvl="3"/>
+            <a:r>
+              <a:rPr lang="en-US"/>
+              <a:t>Fourth level</a:t>
+            </a:r>
+          </a:p>
+          <a:p>
+            <a:pPr lvl="4"/>
+            <a:r>
+              <a:rPr lang="en-US"/>
+              <a:t>Fifth level</a:t>
+            </a:r>
+            <a:endParaRPr lang="en-NL"/>
+          </a:p>
+        </p:txBody>
+      </p:sp>
+      <p:sp>
+        <p:nvSpPr>
+          <p:cNvPr id="6" name="Footer Placeholder 5"/>
+          <p:cNvSpPr>
+            <a:spLocks noGrp="1"/>
+          </p:cNvSpPr>
+          <p:nvPr>
+            <p:ph type="ftr" sz="quarter" idx="4"/>
+          </p:nvPr>
+        </p:nvSpPr>
+        <p:spPr>
+          <a:xfrm>
+            <a:off x="0" y="8685213"/>
+            <a:ext cx="2971800" cy="458787"/>
+          </a:xfrm>
+          <a:prstGeom prst="rect">
+            <a:avLst/>
+          </a:prstGeom>
+        </p:spPr>
+        <p:txBody>
+          <a:bodyPr vert="horz" lIns="91440" tIns="45720" rIns="91440" bIns="45720" rtlCol="0" anchor="b"/>
+          <a:lstStyle>
+            <a:lvl1pPr algn="l">
+              <a:defRPr sz="1200"/>
+            </a:lvl1pPr>
+          </a:lstStyle>
+          <a:p>
+            <a:endParaRPr lang="en-NL"/>
+          </a:p>
+        </p:txBody>
+      </p:sp>
+      <p:sp>
+        <p:nvSpPr>
+          <p:cNvPr id="7" name="Slide Number Placeholder 6"/>
+          <p:cNvSpPr>
+            <a:spLocks noGrp="1"/>
+          </p:cNvSpPr>
+          <p:nvPr>
+            <p:ph type="sldNum" sz="quarter" idx="5"/>
+          </p:nvPr>
+        </p:nvSpPr>
+        <p:spPr>
+          <a:xfrm>
+            <a:off x="3884613" y="8685213"/>
+            <a:ext cx="2971800" cy="458787"/>
+          </a:xfrm>
+          <a:prstGeom prst="rect">
+            <a:avLst/>
+          </a:prstGeom>
+        </p:spPr>
+        <p:txBody>
+          <a:bodyPr vert="horz" lIns="91440" tIns="45720" rIns="91440" bIns="45720" rtlCol="0" anchor="b"/>
+          <a:lstStyle>
+            <a:lvl1pPr algn="r">
+              <a:defRPr sz="1200"/>
+            </a:lvl1pPr>
+          </a:lstStyle>
+          <a:p>
+            <a:fld id="{5DF83CC5-2AD6-4A79-9F63-F9AAEFF73EC5}" type="slidenum">
+              <a:rPr lang="en-NL" smtClean="0"/>
+              <a:t>‹#›</a:t>
+            </a:fld>
+            <a:endParaRPr lang="en-NL"/>
+          </a:p>
+        </p:txBody>
+      </p:sp>
+    </p:spTree>
+    <p:extLst>
+      <p:ext uri="{BB962C8B-B14F-4D97-AF65-F5344CB8AC3E}">
+        <p14:creationId xmlns:p14="http://schemas.microsoft.com/office/powerpoint/2010/main" val="1400800249"/>
+      </p:ext>
+    </p:extLst>
+  </p:cSld>
+  <p:clrMap bg1="lt1" tx1="dk1" bg2="lt2" tx2="dk2" accent1="accent1" accent2="accent2" accent3="accent3" accent4="accent4" accent5="accent5" accent6="accent6" hlink="hlink" folHlink="folHlink"/>
+  <p:notesStyle>
+    <a:lvl1pPr marL="0" algn="l" defTabSz="914400" rtl="0" eaLnBrk="1" latinLnBrk="0" hangingPunct="1">
+      <a:defRPr sz="1200" kern="1200">
+        <a:solidFill>
+          <a:schemeClr val="tx1"/>
+        </a:solidFill>
+        <a:latin typeface="+mn-lt"/>
+        <a:ea typeface="+mn-ea"/>
+        <a:cs typeface="+mn-cs"/>
+      </a:defRPr>
+    </a:lvl1pPr>
+    <a:lvl2pPr marL="457200" algn="l" defTabSz="914400" rtl="0" eaLnBrk="1" latinLnBrk="0" hangingPunct="1">
+      <a:defRPr sz="1200" kern="1200">
+        <a:solidFill>
+          <a:schemeClr val="tx1"/>
+        </a:solidFill>
+        <a:latin typeface="+mn-lt"/>
+        <a:ea typeface="+mn-ea"/>
+        <a:cs typeface="+mn-cs"/>
+      </a:defRPr>
+    </a:lvl2pPr>
+    <a:lvl3pPr marL="914400" algn="l" defTabSz="914400" rtl="0" eaLnBrk="1" latinLnBrk="0" hangingPunct="1">
+      <a:defRPr sz="1200" kern="1200">
+        <a:solidFill>
+          <a:schemeClr val="tx1"/>
+        </a:solidFill>
+        <a:latin typeface="+mn-lt"/>
+        <a:ea typeface="+mn-ea"/>
+        <a:cs typeface="+mn-cs"/>
+      </a:defRPr>
+    </a:lvl3pPr>
+    <a:lvl4pPr marL="1371600" algn="l" defTabSz="914400" rtl="0" eaLnBrk="1" latinLnBrk="0" hangingPunct="1">
+      <a:defRPr sz="1200" kern="1200">
+        <a:solidFill>
+          <a:schemeClr val="tx1"/>
+        </a:solidFill>
+        <a:latin typeface="+mn-lt"/>
+        <a:ea typeface="+mn-ea"/>
+        <a:cs typeface="+mn-cs"/>
+      </a:defRPr>
+    </a:lvl4pPr>
+    <a:lvl5pPr marL="1828800" algn="l" defTabSz="914400" rtl="0" eaLnBrk="1" latinLnBrk="0" hangingPunct="1">
+      <a:defRPr sz="1200" kern="1200">
+        <a:solidFill>
+          <a:schemeClr val="tx1"/>
+        </a:solidFill>
+        <a:latin typeface="+mn-lt"/>
+        <a:ea typeface="+mn-ea"/>
+        <a:cs typeface="+mn-cs"/>
+      </a:defRPr>
+    </a:lvl5pPr>
+    <a:lvl6pPr marL="2286000" algn="l" defTabSz="914400" rtl="0" eaLnBrk="1" latinLnBrk="0" hangingPunct="1">
+      <a:defRPr sz="1200" kern="1200">
+        <a:solidFill>
+          <a:schemeClr val="tx1"/>
+        </a:solidFill>
+        <a:latin typeface="+mn-lt"/>
+        <a:ea typeface="+mn-ea"/>
+        <a:cs typeface="+mn-cs"/>
+      </a:defRPr>
+    </a:lvl6pPr>
+    <a:lvl7pPr marL="2743200" algn="l" defTabSz="914400" rtl="0" eaLnBrk="1" latinLnBrk="0" hangingPunct="1">
+      <a:defRPr sz="1200" kern="1200">
+        <a:solidFill>
+          <a:schemeClr val="tx1"/>
+        </a:solidFill>
+        <a:latin typeface="+mn-lt"/>
+        <a:ea typeface="+mn-ea"/>
+        <a:cs typeface="+mn-cs"/>
+      </a:defRPr>
+    </a:lvl7pPr>
+    <a:lvl8pPr marL="3200400" algn="l" defTabSz="914400" rtl="0" eaLnBrk="1" latinLnBrk="0" hangingPunct="1">
+      <a:defRPr sz="1200" kern="1200">
+        <a:solidFill>
+          <a:schemeClr val="tx1"/>
+        </a:solidFill>
+        <a:latin typeface="+mn-lt"/>
+        <a:ea typeface="+mn-ea"/>
+        <a:cs typeface="+mn-cs"/>
+      </a:defRPr>
+    </a:lvl8pPr>
+    <a:lvl9pPr marL="3657600" algn="l" defTabSz="914400" rtl="0" eaLnBrk="1" latinLnBrk="0" hangingPunct="1">
+      <a:defRPr sz="1200" kern="1200">
+        <a:solidFill>
+          <a:schemeClr val="tx1"/>
+        </a:solidFill>
+        <a:latin typeface="+mn-lt"/>
+        <a:ea typeface="+mn-ea"/>
+        <a:cs typeface="+mn-cs"/>
+      </a:defRPr>
+    </a:lvl9pPr>
+  </p:notesStyle>
+</p:notesMaster>
+</file>
+
+<file path=ppt/notesSlides/notesSlide1.xml><?xml version="1.0" encoding="utf-8"?>
+<p:notes xmlns:a="http://schemas.openxmlformats.org/drawingml/2006/main" xmlns:r="http://schemas.openxmlformats.org/officeDocument/2006/relationships" xmlns:p="http://schemas.openxmlformats.org/presentationml/2006/main">
+  <p:cSld>
+    <p:spTree>
+      <p:nvGrpSpPr>
+        <p:cNvPr id="1" name=""/>
+        <p:cNvGrpSpPr/>
+        <p:nvPr/>
+      </p:nvGrpSpPr>
+      <p:grpSpPr>
+        <a:xfrm>
+          <a:off x="0" y="0"/>
+          <a:ext cx="0" cy="0"/>
+          <a:chOff x="0" y="0"/>
+          <a:chExt cx="0" cy="0"/>
+        </a:xfrm>
+      </p:grpSpPr>
+      <p:sp>
+        <p:nvSpPr>
+          <p:cNvPr id="2" name="Slide Image Placeholder 1"/>
+          <p:cNvSpPr>
+            <a:spLocks noGrp="1" noRot="1" noChangeAspect="1"/>
+          </p:cNvSpPr>
+          <p:nvPr>
+            <p:ph type="sldImg"/>
+          </p:nvPr>
+        </p:nvSpPr>
+        <p:spPr/>
+      </p:sp>
+      <p:sp>
+        <p:nvSpPr>
+          <p:cNvPr id="3" name="Notes Placeholder 2"/>
+          <p:cNvSpPr>
+            <a:spLocks noGrp="1"/>
+          </p:cNvSpPr>
+          <p:nvPr>
+            <p:ph type="body" idx="1"/>
+          </p:nvPr>
+        </p:nvSpPr>
+        <p:spPr/>
+        <p:txBody>
+          <a:bodyPr/>
+          <a:lstStyle/>
+          <a:p>
+            <a:r>
+              <a:rPr lang="en-US" dirty="0"/>
+              <a:t>Om de IHM op </a:t>
+            </a:r>
+            <a:r>
+              <a:rPr lang="en-US" dirty="0" err="1"/>
+              <a:t>te</a:t>
+            </a:r>
+            <a:r>
+              <a:rPr lang="en-US" dirty="0"/>
+              <a:t> </a:t>
+            </a:r>
+            <a:r>
+              <a:rPr lang="en-US" dirty="0" err="1"/>
+              <a:t>slaan</a:t>
+            </a:r>
+            <a:r>
+              <a:rPr lang="en-US" dirty="0"/>
+              <a:t> </a:t>
+            </a:r>
+            <a:r>
+              <a:rPr lang="en-US" dirty="0" err="1"/>
+              <a:t>heb</a:t>
+            </a:r>
+            <a:r>
+              <a:rPr lang="en-US" dirty="0"/>
+              <a:t> </a:t>
+            </a:r>
+            <a:r>
+              <a:rPr lang="en-US" dirty="0" err="1"/>
+              <a:t>ik</a:t>
+            </a:r>
+            <a:r>
+              <a:rPr lang="en-US" dirty="0"/>
+              <a:t> </a:t>
+            </a:r>
+            <a:r>
+              <a:rPr lang="en-US" dirty="0" err="1"/>
+              <a:t>gekeken</a:t>
+            </a:r>
+            <a:r>
+              <a:rPr lang="en-US" dirty="0"/>
+              <a:t> </a:t>
+            </a:r>
+            <a:r>
+              <a:rPr lang="en-US" dirty="0" err="1"/>
+              <a:t>naar</a:t>
+            </a:r>
+            <a:r>
+              <a:rPr lang="en-US" dirty="0"/>
+              <a:t> de </a:t>
+            </a:r>
+            <a:r>
+              <a:rPr lang="en-US" dirty="0" err="1"/>
+              <a:t>opties</a:t>
+            </a:r>
+            <a:r>
+              <a:rPr lang="en-US" dirty="0"/>
+              <a:t>: databases, file servers, </a:t>
+            </a:r>
+            <a:r>
+              <a:rPr lang="en-US" dirty="0" err="1"/>
+              <a:t>github</a:t>
+            </a:r>
+            <a:r>
+              <a:rPr lang="en-US" dirty="0"/>
+              <a:t> </a:t>
+            </a:r>
+            <a:r>
+              <a:rPr lang="en-US" dirty="0" err="1"/>
+              <a:t>en</a:t>
+            </a:r>
+            <a:r>
+              <a:rPr lang="en-US" dirty="0"/>
+              <a:t> blockchain. De </a:t>
+            </a:r>
+            <a:r>
+              <a:rPr lang="en-US" dirty="0" err="1"/>
+              <a:t>belangrijkste</a:t>
+            </a:r>
+            <a:r>
+              <a:rPr lang="en-US" dirty="0"/>
+              <a:t> Eisen die </a:t>
+            </a:r>
+            <a:r>
+              <a:rPr lang="en-US" dirty="0" err="1"/>
+              <a:t>dit</a:t>
+            </a:r>
+            <a:r>
+              <a:rPr lang="en-US" dirty="0"/>
+              <a:t> </a:t>
+            </a:r>
+            <a:r>
+              <a:rPr lang="en-US" dirty="0" err="1"/>
+              <a:t>systeem</a:t>
+            </a:r>
+            <a:r>
+              <a:rPr lang="en-US" dirty="0"/>
+              <a:t> </a:t>
+            </a:r>
+            <a:r>
+              <a:rPr lang="en-US" dirty="0" err="1"/>
+              <a:t>moest</a:t>
+            </a:r>
+            <a:r>
+              <a:rPr lang="en-US" dirty="0"/>
+              <a:t> </a:t>
+            </a:r>
+            <a:r>
+              <a:rPr lang="en-US" dirty="0" err="1"/>
+              <a:t>hebben</a:t>
+            </a:r>
+            <a:r>
+              <a:rPr lang="en-US" dirty="0"/>
+              <a:t> </a:t>
+            </a:r>
+            <a:r>
+              <a:rPr lang="en-US" dirty="0" err="1"/>
+              <a:t>waren</a:t>
+            </a:r>
+            <a:r>
+              <a:rPr lang="en-US" dirty="0"/>
+              <a:t> </a:t>
+            </a:r>
+            <a:r>
+              <a:rPr lang="en-US" dirty="0" err="1"/>
+              <a:t>gegevens-integriteit</a:t>
+            </a:r>
+            <a:r>
+              <a:rPr lang="en-US" dirty="0"/>
+              <a:t>, </a:t>
+            </a:r>
+            <a:r>
+              <a:rPr lang="en-US" dirty="0" err="1"/>
+              <a:t>onveranderlijkheid</a:t>
+            </a:r>
+            <a:r>
+              <a:rPr lang="en-US" dirty="0"/>
+              <a:t> </a:t>
+            </a:r>
+            <a:r>
+              <a:rPr lang="en-US" dirty="0" err="1"/>
+              <a:t>en</a:t>
+            </a:r>
+            <a:r>
+              <a:rPr lang="en-US" dirty="0"/>
+              <a:t> </a:t>
+            </a:r>
+            <a:r>
+              <a:rPr lang="en-US" dirty="0" err="1"/>
+              <a:t>transparantie</a:t>
+            </a:r>
+            <a:r>
+              <a:rPr lang="en-US" dirty="0"/>
+              <a:t>. Binnen </a:t>
+            </a:r>
+            <a:r>
+              <a:rPr lang="en-US" dirty="0" err="1"/>
+              <a:t>deze</a:t>
+            </a:r>
+            <a:r>
+              <a:rPr lang="en-US" dirty="0"/>
+              <a:t> Eisen </a:t>
+            </a:r>
+            <a:r>
+              <a:rPr lang="en-US" dirty="0" err="1"/>
+              <a:t>waren</a:t>
+            </a:r>
+            <a:r>
+              <a:rPr lang="en-US" dirty="0"/>
+              <a:t> </a:t>
+            </a:r>
+            <a:r>
+              <a:rPr lang="en-US" dirty="0" err="1"/>
+              <a:t>github</a:t>
+            </a:r>
+            <a:r>
+              <a:rPr lang="en-US" dirty="0"/>
+              <a:t> </a:t>
+            </a:r>
+            <a:r>
+              <a:rPr lang="en-US" dirty="0" err="1"/>
+              <a:t>en</a:t>
+            </a:r>
+            <a:r>
+              <a:rPr lang="en-US" dirty="0"/>
+              <a:t> blockchain de </a:t>
+            </a:r>
+            <a:r>
+              <a:rPr lang="en-US" dirty="0" err="1"/>
+              <a:t>beste</a:t>
+            </a:r>
+            <a:r>
+              <a:rPr lang="en-US" dirty="0"/>
+              <a:t> </a:t>
+            </a:r>
+            <a:r>
+              <a:rPr lang="en-US" dirty="0" err="1"/>
+              <a:t>opties</a:t>
+            </a:r>
+            <a:r>
+              <a:rPr lang="en-US" dirty="0"/>
+              <a:t>. </a:t>
+            </a:r>
+            <a:r>
+              <a:rPr lang="en-US" dirty="0" err="1"/>
+              <a:t>Github</a:t>
+            </a:r>
+            <a:r>
+              <a:rPr lang="en-US" dirty="0"/>
+              <a:t> </a:t>
+            </a:r>
+            <a:r>
+              <a:rPr lang="en-US" dirty="0" err="1"/>
+              <a:t>als</a:t>
+            </a:r>
+            <a:r>
+              <a:rPr lang="en-US" dirty="0"/>
+              <a:t> </a:t>
+            </a:r>
+            <a:r>
+              <a:rPr lang="en-US" dirty="0" err="1"/>
+              <a:t>een</a:t>
+            </a:r>
+            <a:r>
+              <a:rPr lang="en-US" dirty="0"/>
+              <a:t> code platform </a:t>
+            </a:r>
+            <a:r>
+              <a:rPr lang="en-US" dirty="0" err="1"/>
+              <a:t>heeft</a:t>
+            </a:r>
+            <a:r>
+              <a:rPr lang="en-US" dirty="0"/>
+              <a:t> </a:t>
+            </a:r>
+            <a:r>
+              <a:rPr lang="en-US" dirty="0" err="1"/>
+              <a:t>een</a:t>
+            </a:r>
+            <a:r>
+              <a:rPr lang="en-US" dirty="0"/>
+              <a:t> erg </a:t>
+            </a:r>
+            <a:r>
+              <a:rPr lang="en-US" dirty="0" err="1"/>
+              <a:t>goed</a:t>
+            </a:r>
+            <a:r>
+              <a:rPr lang="en-US" dirty="0"/>
+              <a:t> </a:t>
+            </a:r>
+            <a:r>
+              <a:rPr lang="en-US" dirty="0" err="1"/>
+              <a:t>versiebeheer</a:t>
+            </a:r>
+            <a:r>
+              <a:rPr lang="en-US" dirty="0"/>
+              <a:t>. Maar blockchain was </a:t>
+            </a:r>
+            <a:r>
+              <a:rPr lang="en-US" dirty="0" err="1"/>
+              <a:t>toch</a:t>
+            </a:r>
+            <a:r>
+              <a:rPr lang="en-US" dirty="0"/>
+              <a:t> </a:t>
+            </a:r>
+            <a:r>
+              <a:rPr lang="en-US" dirty="0" err="1"/>
+              <a:t>beter</a:t>
+            </a:r>
+            <a:r>
+              <a:rPr lang="en-US" dirty="0"/>
+              <a:t> </a:t>
+            </a:r>
+            <a:r>
+              <a:rPr lang="en-US" dirty="0" err="1"/>
+              <a:t>voor</a:t>
+            </a:r>
+            <a:r>
+              <a:rPr lang="en-US" dirty="0"/>
+              <a:t> de </a:t>
+            </a:r>
+            <a:r>
+              <a:rPr lang="en-US" dirty="0" err="1"/>
+              <a:t>gegevens-integritieit</a:t>
+            </a:r>
+            <a:r>
+              <a:rPr lang="en-US" dirty="0"/>
+              <a:t> </a:t>
+            </a:r>
+            <a:r>
+              <a:rPr lang="en-US" dirty="0" err="1"/>
+              <a:t>en</a:t>
+            </a:r>
+            <a:r>
+              <a:rPr lang="en-US" dirty="0"/>
+              <a:t> </a:t>
+            </a:r>
+            <a:r>
+              <a:rPr lang="en-US" dirty="0" err="1"/>
+              <a:t>onveranderlijkheid</a:t>
+            </a:r>
+            <a:r>
+              <a:rPr lang="en-US" dirty="0"/>
+              <a:t>. Wat is blockchain? </a:t>
+            </a:r>
+            <a:r>
+              <a:rPr lang="en-US" dirty="0" err="1"/>
+              <a:t>Voorbeeld</a:t>
+            </a:r>
+            <a:r>
+              <a:rPr lang="en-US" dirty="0"/>
+              <a:t>… Elk block </a:t>
+            </a:r>
+            <a:r>
+              <a:rPr lang="en-US" dirty="0" err="1"/>
+              <a:t>bevat</a:t>
+            </a:r>
+            <a:r>
+              <a:rPr lang="en-US" dirty="0"/>
+              <a:t> </a:t>
+            </a:r>
+            <a:r>
+              <a:rPr lang="en-US" dirty="0" err="1"/>
+              <a:t>een</a:t>
+            </a:r>
+            <a:r>
+              <a:rPr lang="en-US" dirty="0"/>
+              <a:t> </a:t>
+            </a:r>
+            <a:r>
+              <a:rPr lang="en-US" dirty="0" err="1"/>
+              <a:t>stuk</a:t>
+            </a:r>
+            <a:r>
+              <a:rPr lang="en-US" dirty="0"/>
+              <a:t> </a:t>
+            </a:r>
+            <a:r>
+              <a:rPr lang="en-US" dirty="0" err="1"/>
+              <a:t>informatie</a:t>
+            </a:r>
+            <a:r>
+              <a:rPr lang="en-US" dirty="0"/>
+              <a:t>, </a:t>
+            </a:r>
+            <a:r>
+              <a:rPr lang="en-US" dirty="0" err="1"/>
+              <a:t>dus</a:t>
+            </a:r>
+            <a:r>
+              <a:rPr lang="en-US" dirty="0"/>
+              <a:t> </a:t>
+            </a:r>
+            <a:r>
+              <a:rPr lang="en-US" dirty="0" err="1"/>
+              <a:t>bijv</a:t>
+            </a:r>
+            <a:r>
+              <a:rPr lang="en-US" dirty="0"/>
+              <a:t> </a:t>
+            </a:r>
+            <a:r>
+              <a:rPr lang="en-US" dirty="0" err="1"/>
+              <a:t>een</a:t>
+            </a:r>
+            <a:r>
+              <a:rPr lang="en-US" dirty="0"/>
+              <a:t> </a:t>
+            </a:r>
+            <a:r>
+              <a:rPr lang="en-US" dirty="0" err="1"/>
+              <a:t>versie</a:t>
+            </a:r>
+            <a:r>
+              <a:rPr lang="en-US" dirty="0"/>
+              <a:t> van de IHM. </a:t>
+            </a:r>
+            <a:r>
+              <a:rPr lang="en-US" dirty="0" err="1"/>
+              <a:t>Eenmaal</a:t>
+            </a:r>
+            <a:r>
+              <a:rPr lang="en-US" dirty="0"/>
+              <a:t> </a:t>
+            </a:r>
+            <a:r>
+              <a:rPr lang="en-US" dirty="0" err="1"/>
+              <a:t>geupload</a:t>
+            </a:r>
+            <a:r>
+              <a:rPr lang="en-US" dirty="0"/>
+              <a:t> in de ‘chain’ (</a:t>
+            </a:r>
+            <a:r>
+              <a:rPr lang="en-US" dirty="0" err="1"/>
+              <a:t>een</a:t>
+            </a:r>
+            <a:r>
+              <a:rPr lang="en-US" dirty="0"/>
+              <a:t> link van blocks op </a:t>
+            </a:r>
+            <a:r>
+              <a:rPr lang="en-US" dirty="0" err="1"/>
+              <a:t>volgorde</a:t>
+            </a:r>
+            <a:r>
+              <a:rPr lang="en-US" dirty="0"/>
+              <a:t> </a:t>
+            </a:r>
+            <a:r>
+              <a:rPr lang="en-US" dirty="0" err="1"/>
+              <a:t>zoals</a:t>
+            </a:r>
+            <a:r>
+              <a:rPr lang="en-US" dirty="0"/>
+              <a:t> de </a:t>
+            </a:r>
+            <a:r>
+              <a:rPr lang="en-US" dirty="0" err="1"/>
+              <a:t>afbeelding</a:t>
+            </a:r>
+            <a:r>
+              <a:rPr lang="en-US" dirty="0"/>
+              <a:t>) </a:t>
+            </a:r>
+            <a:r>
+              <a:rPr lang="en-US" dirty="0" err="1"/>
+              <a:t>kan</a:t>
+            </a:r>
+            <a:r>
+              <a:rPr lang="en-US" dirty="0"/>
+              <a:t> de </a:t>
+            </a:r>
+            <a:r>
+              <a:rPr lang="en-US" dirty="0" err="1"/>
+              <a:t>informatie</a:t>
+            </a:r>
+            <a:r>
+              <a:rPr lang="en-US" dirty="0"/>
+              <a:t> </a:t>
+            </a:r>
+            <a:r>
+              <a:rPr lang="en-US" dirty="0" err="1"/>
+              <a:t>niet</a:t>
+            </a:r>
+            <a:r>
+              <a:rPr lang="en-US" dirty="0"/>
+              <a:t> </a:t>
+            </a:r>
+            <a:r>
+              <a:rPr lang="en-US" dirty="0" err="1"/>
+              <a:t>meer</a:t>
+            </a:r>
+            <a:r>
+              <a:rPr lang="en-US" dirty="0"/>
+              <a:t> </a:t>
+            </a:r>
+            <a:r>
+              <a:rPr lang="en-US" dirty="0" err="1"/>
+              <a:t>aangepast</a:t>
+            </a:r>
+            <a:r>
+              <a:rPr lang="en-US" dirty="0"/>
+              <a:t> </a:t>
+            </a:r>
+            <a:r>
+              <a:rPr lang="en-US" dirty="0" err="1"/>
+              <a:t>worden</a:t>
+            </a:r>
+            <a:r>
+              <a:rPr lang="en-US" dirty="0"/>
+              <a:t>. </a:t>
+            </a:r>
+            <a:r>
+              <a:rPr lang="en-US" dirty="0" err="1"/>
+              <a:t>Wel</a:t>
+            </a:r>
+            <a:r>
+              <a:rPr lang="en-US" dirty="0"/>
+              <a:t> </a:t>
+            </a:r>
+            <a:r>
+              <a:rPr lang="en-US" dirty="0" err="1"/>
+              <a:t>kan</a:t>
+            </a:r>
+            <a:r>
+              <a:rPr lang="en-US" dirty="0"/>
+              <a:t> het </a:t>
+            </a:r>
+            <a:r>
+              <a:rPr lang="en-US" dirty="0" err="1"/>
+              <a:t>geuploade</a:t>
+            </a:r>
+            <a:r>
+              <a:rPr lang="en-US" dirty="0"/>
+              <a:t> </a:t>
+            </a:r>
+            <a:r>
+              <a:rPr lang="en-US" dirty="0" err="1"/>
+              <a:t>bestand</a:t>
+            </a:r>
+            <a:r>
+              <a:rPr lang="en-US" dirty="0"/>
+              <a:t> </a:t>
+            </a:r>
+            <a:r>
+              <a:rPr lang="en-US" dirty="0" err="1"/>
+              <a:t>bekeken</a:t>
+            </a:r>
+            <a:r>
+              <a:rPr lang="en-US" dirty="0"/>
+              <a:t> </a:t>
+            </a:r>
+            <a:r>
+              <a:rPr lang="en-US" dirty="0" err="1"/>
+              <a:t>worden</a:t>
+            </a:r>
+            <a:r>
+              <a:rPr lang="en-US" dirty="0"/>
+              <a:t>. </a:t>
+            </a:r>
+            <a:r>
+              <a:rPr lang="en-US" dirty="0" err="1"/>
+              <a:t>Wanneer</a:t>
+            </a:r>
+            <a:r>
+              <a:rPr lang="en-US" dirty="0"/>
+              <a:t> </a:t>
+            </a:r>
+            <a:r>
+              <a:rPr lang="en-US" dirty="0" err="1"/>
+              <a:t>een</a:t>
+            </a:r>
+            <a:r>
+              <a:rPr lang="en-US" dirty="0"/>
+              <a:t> </a:t>
+            </a:r>
+            <a:r>
+              <a:rPr lang="en-US" dirty="0" err="1"/>
+              <a:t>nieuwe</a:t>
+            </a:r>
+            <a:r>
+              <a:rPr lang="en-US" dirty="0"/>
+              <a:t> </a:t>
+            </a:r>
+            <a:r>
+              <a:rPr lang="en-US" dirty="0" err="1"/>
+              <a:t>versie</a:t>
+            </a:r>
+            <a:r>
+              <a:rPr lang="en-US" dirty="0"/>
+              <a:t> van het IHM </a:t>
+            </a:r>
+            <a:r>
+              <a:rPr lang="en-US" dirty="0" err="1"/>
+              <a:t>nodig</a:t>
+            </a:r>
+            <a:r>
+              <a:rPr lang="en-US" dirty="0"/>
+              <a:t> is, </a:t>
+            </a:r>
+            <a:r>
+              <a:rPr lang="en-US" dirty="0" err="1"/>
+              <a:t>als</a:t>
+            </a:r>
+            <a:r>
+              <a:rPr lang="en-US" dirty="0"/>
+              <a:t> </a:t>
+            </a:r>
+            <a:r>
+              <a:rPr lang="en-US" dirty="0" err="1"/>
+              <a:t>bijv</a:t>
+            </a:r>
+            <a:r>
+              <a:rPr lang="en-US" dirty="0"/>
+              <a:t> er </a:t>
+            </a:r>
+            <a:r>
+              <a:rPr lang="en-US" dirty="0" err="1"/>
+              <a:t>asbest</a:t>
+            </a:r>
+            <a:r>
+              <a:rPr lang="en-US" dirty="0"/>
+              <a:t> is </a:t>
+            </a:r>
+            <a:r>
+              <a:rPr lang="en-US" dirty="0" err="1"/>
+              <a:t>weg</a:t>
+            </a:r>
+            <a:r>
+              <a:rPr lang="en-US" dirty="0"/>
+              <a:t> </a:t>
+            </a:r>
+            <a:r>
+              <a:rPr lang="en-US" dirty="0" err="1"/>
+              <a:t>gehaald</a:t>
+            </a:r>
+            <a:r>
+              <a:rPr lang="en-US" dirty="0"/>
+              <a:t>, dan </a:t>
+            </a:r>
+            <a:r>
+              <a:rPr lang="en-US" dirty="0" err="1"/>
+              <a:t>wordt</a:t>
+            </a:r>
+            <a:r>
+              <a:rPr lang="en-US" dirty="0"/>
+              <a:t> </a:t>
+            </a:r>
+            <a:r>
+              <a:rPr lang="en-US" dirty="0" err="1"/>
+              <a:t>deze</a:t>
+            </a:r>
+            <a:r>
+              <a:rPr lang="en-US" dirty="0"/>
+              <a:t> </a:t>
+            </a:r>
+            <a:r>
+              <a:rPr lang="en-US" dirty="0" err="1"/>
+              <a:t>versie</a:t>
+            </a:r>
+            <a:r>
+              <a:rPr lang="en-US" dirty="0"/>
+              <a:t> </a:t>
+            </a:r>
+            <a:r>
+              <a:rPr lang="en-US" dirty="0" err="1"/>
+              <a:t>aan</a:t>
+            </a:r>
+            <a:r>
+              <a:rPr lang="en-US" dirty="0"/>
+              <a:t> het </a:t>
+            </a:r>
+            <a:r>
+              <a:rPr lang="en-US" dirty="0" err="1"/>
+              <a:t>vorige</a:t>
+            </a:r>
+            <a:r>
+              <a:rPr lang="en-US" dirty="0"/>
+              <a:t> block </a:t>
+            </a:r>
+            <a:r>
+              <a:rPr lang="en-US" dirty="0" err="1"/>
+              <a:t>gechained</a:t>
+            </a:r>
+            <a:r>
+              <a:rPr lang="en-US" dirty="0"/>
+              <a:t>. Zo </a:t>
+            </a:r>
+            <a:r>
+              <a:rPr lang="en-US" dirty="0" err="1"/>
+              <a:t>heb</a:t>
+            </a:r>
+            <a:r>
+              <a:rPr lang="en-US" dirty="0"/>
+              <a:t> je </a:t>
+            </a:r>
+            <a:r>
+              <a:rPr lang="en-US" dirty="0" err="1"/>
+              <a:t>een</a:t>
+            </a:r>
+            <a:r>
+              <a:rPr lang="en-US" dirty="0"/>
+              <a:t> erg </a:t>
+            </a:r>
+            <a:r>
+              <a:rPr lang="en-US" dirty="0" err="1"/>
+              <a:t>goed</a:t>
+            </a:r>
+            <a:r>
+              <a:rPr lang="en-US" dirty="0"/>
+              <a:t> </a:t>
+            </a:r>
+            <a:r>
+              <a:rPr lang="en-US" dirty="0" err="1"/>
+              <a:t>versiebeheer</a:t>
+            </a:r>
+            <a:r>
+              <a:rPr lang="en-US" dirty="0"/>
+              <a:t> met </a:t>
+            </a:r>
+            <a:r>
+              <a:rPr lang="en-US" dirty="0" err="1"/>
+              <a:t>gebruiker</a:t>
+            </a:r>
+            <a:r>
+              <a:rPr lang="en-US" dirty="0"/>
+              <a:t> </a:t>
+            </a:r>
+            <a:r>
+              <a:rPr lang="en-US" dirty="0" err="1"/>
+              <a:t>en</a:t>
+            </a:r>
+            <a:r>
+              <a:rPr lang="en-US" dirty="0"/>
+              <a:t> timestamp maar </a:t>
+            </a:r>
+            <a:r>
+              <a:rPr lang="en-US" dirty="0" err="1"/>
+              <a:t>ook</a:t>
+            </a:r>
+            <a:r>
+              <a:rPr lang="en-US" dirty="0"/>
+              <a:t> de </a:t>
+            </a:r>
+            <a:r>
+              <a:rPr lang="en-US" dirty="0" err="1"/>
+              <a:t>onveranderlijkheid</a:t>
+            </a:r>
+            <a:r>
+              <a:rPr lang="en-US" dirty="0"/>
+              <a:t>. En </a:t>
+            </a:r>
+            <a:r>
+              <a:rPr lang="en-US" dirty="0" err="1"/>
+              <a:t>aangezien</a:t>
+            </a:r>
+            <a:r>
+              <a:rPr lang="en-US" dirty="0"/>
+              <a:t> </a:t>
+            </a:r>
+            <a:r>
+              <a:rPr lang="en-US" dirty="0" err="1"/>
+              <a:t>een</a:t>
+            </a:r>
+            <a:r>
+              <a:rPr lang="en-US" dirty="0"/>
+              <a:t> blockchain system </a:t>
+            </a:r>
+            <a:r>
+              <a:rPr lang="en-US" dirty="0" err="1"/>
+              <a:t>ook</a:t>
+            </a:r>
+            <a:r>
+              <a:rPr lang="en-US" dirty="0"/>
+              <a:t> </a:t>
+            </a:r>
+            <a:r>
+              <a:rPr lang="en-US" dirty="0" err="1"/>
+              <a:t>werkt</a:t>
+            </a:r>
+            <a:r>
+              <a:rPr lang="en-US" dirty="0"/>
+              <a:t> met hashes (</a:t>
+            </a:r>
+            <a:r>
+              <a:rPr lang="en-US" dirty="0" err="1"/>
+              <a:t>een</a:t>
+            </a:r>
+            <a:r>
+              <a:rPr lang="en-US" dirty="0"/>
+              <a:t> digitate </a:t>
+            </a:r>
+            <a:r>
+              <a:rPr lang="en-US" dirty="0" err="1"/>
+              <a:t>vingerafdruk</a:t>
+            </a:r>
+            <a:r>
+              <a:rPr lang="en-US" dirty="0"/>
+              <a:t> van het </a:t>
+            </a:r>
+            <a:r>
+              <a:rPr lang="en-US" dirty="0" err="1"/>
+              <a:t>bestand</a:t>
+            </a:r>
+            <a:r>
+              <a:rPr lang="en-US" dirty="0"/>
+              <a:t>) is </a:t>
+            </a:r>
+            <a:r>
+              <a:rPr lang="en-US" dirty="0" err="1"/>
+              <a:t>gemakkelijk</a:t>
+            </a:r>
+            <a:r>
+              <a:rPr lang="en-US" dirty="0"/>
+              <a:t> </a:t>
+            </a:r>
+            <a:r>
+              <a:rPr lang="en-US" dirty="0" err="1"/>
+              <a:t>te</a:t>
+            </a:r>
+            <a:r>
+              <a:rPr lang="en-US" dirty="0"/>
+              <a:t> </a:t>
+            </a:r>
+            <a:r>
+              <a:rPr lang="en-US" dirty="0" err="1"/>
+              <a:t>zien</a:t>
+            </a:r>
+            <a:r>
+              <a:rPr lang="en-US" dirty="0"/>
+              <a:t> of de </a:t>
+            </a:r>
+            <a:r>
+              <a:rPr lang="en-US" dirty="0" err="1"/>
+              <a:t>gegevensintegriteit</a:t>
+            </a:r>
+            <a:r>
+              <a:rPr lang="en-US" dirty="0"/>
+              <a:t> van </a:t>
+            </a:r>
+            <a:r>
+              <a:rPr lang="en-US" dirty="0" err="1"/>
+              <a:t>een</a:t>
+            </a:r>
+            <a:r>
+              <a:rPr lang="en-US" dirty="0"/>
+              <a:t> </a:t>
+            </a:r>
+            <a:r>
+              <a:rPr lang="en-US" dirty="0" err="1"/>
+              <a:t>bestand</a:t>
+            </a:r>
+            <a:r>
+              <a:rPr lang="en-US" dirty="0"/>
+              <a:t> in </a:t>
+            </a:r>
+            <a:r>
+              <a:rPr lang="en-US" dirty="0" err="1"/>
+              <a:t>orde</a:t>
+            </a:r>
+            <a:r>
+              <a:rPr lang="en-US" dirty="0"/>
+              <a:t> is. </a:t>
+            </a:r>
+          </a:p>
+          <a:p>
+            <a:endParaRPr lang="en-US" dirty="0"/>
+          </a:p>
+          <a:p>
+            <a:r>
+              <a:rPr lang="en-US" dirty="0"/>
+              <a:t>Er </a:t>
+            </a:r>
+            <a:r>
+              <a:rPr lang="en-US" dirty="0" err="1"/>
+              <a:t>zijn</a:t>
+            </a:r>
+            <a:r>
+              <a:rPr lang="en-US" dirty="0"/>
+              <a:t> </a:t>
+            </a:r>
+            <a:r>
+              <a:rPr lang="en-US" dirty="0" err="1"/>
+              <a:t>publieke</a:t>
+            </a:r>
+            <a:r>
+              <a:rPr lang="en-US" dirty="0"/>
+              <a:t> blockchain systemin </a:t>
+            </a:r>
+            <a:r>
+              <a:rPr lang="en-US" dirty="0" err="1"/>
+              <a:t>zoals</a:t>
+            </a:r>
+            <a:r>
+              <a:rPr lang="en-US" dirty="0"/>
+              <a:t> blockchain, maar </a:t>
+            </a:r>
+            <a:r>
+              <a:rPr lang="en-US" dirty="0" err="1"/>
+              <a:t>aangezien</a:t>
+            </a:r>
+            <a:r>
+              <a:rPr lang="en-US" dirty="0"/>
+              <a:t> </a:t>
+            </a:r>
+            <a:r>
+              <a:rPr lang="en-US" dirty="0" err="1"/>
+              <a:t>dit</a:t>
+            </a:r>
+            <a:r>
+              <a:rPr lang="en-US" dirty="0"/>
+              <a:t> </a:t>
+            </a:r>
+            <a:r>
+              <a:rPr lang="en-US" dirty="0" err="1"/>
+              <a:t>systeem</a:t>
+            </a:r>
+            <a:r>
+              <a:rPr lang="en-US" dirty="0"/>
+              <a:t> </a:t>
+            </a:r>
+            <a:r>
+              <a:rPr lang="en-US" dirty="0" err="1"/>
+              <a:t>niet</a:t>
+            </a:r>
+            <a:r>
+              <a:rPr lang="en-US" dirty="0"/>
+              <a:t> door </a:t>
+            </a:r>
+            <a:r>
+              <a:rPr lang="en-US" dirty="0" err="1"/>
+              <a:t>iedereen</a:t>
+            </a:r>
+            <a:r>
+              <a:rPr lang="en-US" dirty="0"/>
+              <a:t> </a:t>
+            </a:r>
+            <a:r>
+              <a:rPr lang="en-US" dirty="0" err="1"/>
+              <a:t>ingelezen</a:t>
+            </a:r>
+            <a:r>
+              <a:rPr lang="en-US" dirty="0"/>
+              <a:t> mag </a:t>
+            </a:r>
+            <a:r>
+              <a:rPr lang="en-US" dirty="0" err="1"/>
+              <a:t>worden</a:t>
+            </a:r>
+            <a:r>
+              <a:rPr lang="en-US" dirty="0"/>
+              <a:t> is er </a:t>
+            </a:r>
+            <a:r>
+              <a:rPr lang="en-US" dirty="0" err="1"/>
+              <a:t>gekozen</a:t>
+            </a:r>
+            <a:r>
+              <a:rPr lang="en-US" dirty="0"/>
+              <a:t> </a:t>
+            </a:r>
+            <a:r>
+              <a:rPr lang="en-US" dirty="0" err="1"/>
+              <a:t>voor</a:t>
+            </a:r>
+            <a:r>
+              <a:rPr lang="en-US" dirty="0"/>
+              <a:t> </a:t>
+            </a:r>
+            <a:r>
+              <a:rPr lang="en-US" dirty="0" err="1"/>
+              <a:t>een</a:t>
+            </a:r>
+            <a:r>
+              <a:rPr lang="en-US" dirty="0"/>
+              <a:t> </a:t>
+            </a:r>
+            <a:r>
+              <a:rPr lang="en-US" dirty="0" err="1"/>
+              <a:t>zelfgeschreven</a:t>
+            </a:r>
+            <a:r>
+              <a:rPr lang="en-US" dirty="0"/>
+              <a:t> </a:t>
+            </a:r>
+            <a:r>
+              <a:rPr lang="en-US" dirty="0" err="1"/>
+              <a:t>prive</a:t>
+            </a:r>
+            <a:r>
+              <a:rPr lang="en-US" dirty="0"/>
+              <a:t> </a:t>
+            </a:r>
+            <a:r>
+              <a:rPr lang="en-US" dirty="0" err="1"/>
+              <a:t>netwerk</a:t>
+            </a:r>
+            <a:r>
+              <a:rPr lang="en-US" dirty="0"/>
+              <a:t>.  </a:t>
+            </a:r>
+            <a:r>
+              <a:rPr lang="en-US" dirty="0" err="1"/>
+              <a:t>Dit</a:t>
+            </a:r>
+            <a:r>
+              <a:rPr lang="en-US" dirty="0"/>
+              <a:t> door de </a:t>
+            </a:r>
+            <a:r>
+              <a:rPr lang="en-US" dirty="0" err="1"/>
+              <a:t>snelle</a:t>
+            </a:r>
+            <a:r>
+              <a:rPr lang="en-US" dirty="0"/>
+              <a:t> </a:t>
+            </a:r>
+            <a:r>
+              <a:rPr lang="en-US" dirty="0" err="1"/>
+              <a:t>ontwikkeltijd</a:t>
+            </a:r>
+            <a:r>
+              <a:rPr lang="en-US" dirty="0"/>
+              <a:t> </a:t>
+            </a:r>
+            <a:r>
+              <a:rPr lang="en-US" dirty="0" err="1"/>
+              <a:t>en</a:t>
+            </a:r>
+            <a:r>
+              <a:rPr lang="en-US" dirty="0"/>
+              <a:t> de sensitives </a:t>
+            </a:r>
+            <a:r>
+              <a:rPr lang="en-US" dirty="0" err="1"/>
+              <a:t>informatie</a:t>
+            </a:r>
+            <a:r>
+              <a:rPr lang="en-US" dirty="0"/>
+              <a:t> </a:t>
+            </a:r>
+            <a:r>
+              <a:rPr lang="en-US" dirty="0" err="1"/>
+              <a:t>beter</a:t>
+            </a:r>
+            <a:r>
+              <a:rPr lang="en-US" dirty="0"/>
+              <a:t> is </a:t>
+            </a:r>
+            <a:r>
+              <a:rPr lang="en-US" dirty="0" err="1"/>
+              <a:t>beschermd</a:t>
+            </a:r>
+            <a:r>
+              <a:rPr lang="en-US" dirty="0"/>
+              <a:t>.</a:t>
+            </a:r>
+          </a:p>
+          <a:p>
+            <a:endParaRPr lang="en-NL" dirty="0"/>
+          </a:p>
+        </p:txBody>
+      </p:sp>
+      <p:sp>
+        <p:nvSpPr>
+          <p:cNvPr id="4" name="Slide Number Placeholder 3"/>
+          <p:cNvSpPr>
+            <a:spLocks noGrp="1"/>
+          </p:cNvSpPr>
+          <p:nvPr>
+            <p:ph type="sldNum" sz="quarter" idx="5"/>
+          </p:nvPr>
+        </p:nvSpPr>
+        <p:spPr/>
+        <p:txBody>
+          <a:bodyPr/>
+          <a:lstStyle/>
+          <a:p>
+            <a:fld id="{5DF83CC5-2AD6-4A79-9F63-F9AAEFF73EC5}" type="slidenum">
+              <a:rPr lang="en-NL" smtClean="0"/>
+              <a:t>5</a:t>
+            </a:fld>
+            <a:endParaRPr lang="en-NL"/>
+          </a:p>
+        </p:txBody>
+      </p:sp>
+    </p:spTree>
+    <p:extLst>
+      <p:ext uri="{BB962C8B-B14F-4D97-AF65-F5344CB8AC3E}">
+        <p14:creationId xmlns:p14="http://schemas.microsoft.com/office/powerpoint/2010/main" val="640870928"/>
+      </p:ext>
+    </p:extLst>
+  </p:cSld>
+  <p:clrMapOvr>
+    <a:masterClrMapping/>
+  </p:clrMapOvr>
+</p:notes>
+</file>
+
+<file path=ppt/notesSlides/notesSlide2.xml><?xml version="1.0" encoding="utf-8"?>
+<p:notes xmlns:a="http://schemas.openxmlformats.org/drawingml/2006/main" xmlns:r="http://schemas.openxmlformats.org/officeDocument/2006/relationships" xmlns:p="http://schemas.openxmlformats.org/presentationml/2006/main">
+  <p:cSld>
+    <p:spTree>
+      <p:nvGrpSpPr>
+        <p:cNvPr id="1" name=""/>
+        <p:cNvGrpSpPr/>
+        <p:nvPr/>
+      </p:nvGrpSpPr>
+      <p:grpSpPr>
+        <a:xfrm>
+          <a:off x="0" y="0"/>
+          <a:ext cx="0" cy="0"/>
+          <a:chOff x="0" y="0"/>
+          <a:chExt cx="0" cy="0"/>
+        </a:xfrm>
+      </p:grpSpPr>
+      <p:sp>
+        <p:nvSpPr>
+          <p:cNvPr id="2" name="Slide Image Placeholder 1"/>
+          <p:cNvSpPr>
+            <a:spLocks noGrp="1" noRot="1" noChangeAspect="1"/>
+          </p:cNvSpPr>
+          <p:nvPr>
+            <p:ph type="sldImg"/>
+          </p:nvPr>
+        </p:nvSpPr>
+        <p:spPr/>
+      </p:sp>
+      <p:sp>
+        <p:nvSpPr>
+          <p:cNvPr id="3" name="Notes Placeholder 2"/>
+          <p:cNvSpPr>
+            <a:spLocks noGrp="1"/>
+          </p:cNvSpPr>
+          <p:nvPr>
+            <p:ph type="body" idx="1"/>
+          </p:nvPr>
+        </p:nvSpPr>
+        <p:spPr/>
+        <p:txBody>
+          <a:bodyPr/>
+          <a:lstStyle/>
+          <a:p>
+            <a:r>
+              <a:rPr lang="en-US" dirty="0"/>
+              <a:t>Om de IHM op </a:t>
+            </a:r>
+            <a:r>
+              <a:rPr lang="en-US" dirty="0" err="1"/>
+              <a:t>te</a:t>
+            </a:r>
+            <a:r>
+              <a:rPr lang="en-US" dirty="0"/>
+              <a:t> </a:t>
+            </a:r>
+            <a:r>
+              <a:rPr lang="en-US" dirty="0" err="1"/>
+              <a:t>slaan</a:t>
+            </a:r>
+            <a:r>
+              <a:rPr lang="en-US" dirty="0"/>
+              <a:t> </a:t>
+            </a:r>
+            <a:r>
+              <a:rPr lang="en-US" dirty="0" err="1"/>
+              <a:t>heb</a:t>
+            </a:r>
+            <a:r>
+              <a:rPr lang="en-US" dirty="0"/>
+              <a:t> </a:t>
+            </a:r>
+            <a:r>
+              <a:rPr lang="en-US" dirty="0" err="1"/>
+              <a:t>ik</a:t>
+            </a:r>
+            <a:r>
+              <a:rPr lang="en-US" dirty="0"/>
+              <a:t> </a:t>
+            </a:r>
+            <a:r>
+              <a:rPr lang="en-US" dirty="0" err="1"/>
+              <a:t>gekeken</a:t>
+            </a:r>
+            <a:r>
+              <a:rPr lang="en-US" dirty="0"/>
+              <a:t> </a:t>
+            </a:r>
+            <a:r>
+              <a:rPr lang="en-US" dirty="0" err="1"/>
+              <a:t>naar</a:t>
+            </a:r>
+            <a:r>
+              <a:rPr lang="en-US" dirty="0"/>
+              <a:t> de </a:t>
+            </a:r>
+            <a:r>
+              <a:rPr lang="en-US" dirty="0" err="1"/>
+              <a:t>opties</a:t>
+            </a:r>
+            <a:r>
+              <a:rPr lang="en-US" dirty="0"/>
+              <a:t>: databases, file servers, </a:t>
+            </a:r>
+            <a:r>
+              <a:rPr lang="en-US" dirty="0" err="1"/>
+              <a:t>github</a:t>
+            </a:r>
+            <a:r>
+              <a:rPr lang="en-US" dirty="0"/>
+              <a:t> </a:t>
+            </a:r>
+            <a:r>
+              <a:rPr lang="en-US" dirty="0" err="1"/>
+              <a:t>en</a:t>
+            </a:r>
+            <a:r>
+              <a:rPr lang="en-US" dirty="0"/>
+              <a:t> blockchain. De </a:t>
+            </a:r>
+            <a:r>
+              <a:rPr lang="en-US" dirty="0" err="1"/>
+              <a:t>belangrijkste</a:t>
+            </a:r>
+            <a:r>
+              <a:rPr lang="en-US" dirty="0"/>
+              <a:t> Eisen die </a:t>
+            </a:r>
+            <a:r>
+              <a:rPr lang="en-US" dirty="0" err="1"/>
+              <a:t>dit</a:t>
+            </a:r>
+            <a:r>
+              <a:rPr lang="en-US" dirty="0"/>
+              <a:t> </a:t>
+            </a:r>
+            <a:r>
+              <a:rPr lang="en-US" dirty="0" err="1"/>
+              <a:t>systeem</a:t>
+            </a:r>
+            <a:r>
+              <a:rPr lang="en-US" dirty="0"/>
+              <a:t> </a:t>
+            </a:r>
+            <a:r>
+              <a:rPr lang="en-US" dirty="0" err="1"/>
+              <a:t>moest</a:t>
+            </a:r>
+            <a:r>
+              <a:rPr lang="en-US" dirty="0"/>
+              <a:t> </a:t>
+            </a:r>
+            <a:r>
+              <a:rPr lang="en-US" dirty="0" err="1"/>
+              <a:t>hebben</a:t>
+            </a:r>
+            <a:r>
+              <a:rPr lang="en-US" dirty="0"/>
+              <a:t> </a:t>
+            </a:r>
+            <a:r>
+              <a:rPr lang="en-US" dirty="0" err="1"/>
+              <a:t>waren</a:t>
+            </a:r>
+            <a:r>
+              <a:rPr lang="en-US" dirty="0"/>
+              <a:t> </a:t>
+            </a:r>
+            <a:r>
+              <a:rPr lang="en-US" dirty="0" err="1"/>
+              <a:t>gegevens-integriteit</a:t>
+            </a:r>
+            <a:r>
+              <a:rPr lang="en-US" dirty="0"/>
+              <a:t>, </a:t>
+            </a:r>
+            <a:r>
+              <a:rPr lang="en-US" dirty="0" err="1"/>
+              <a:t>onveranderlijkheid</a:t>
+            </a:r>
+            <a:r>
+              <a:rPr lang="en-US" dirty="0"/>
+              <a:t> </a:t>
+            </a:r>
+            <a:r>
+              <a:rPr lang="en-US" dirty="0" err="1"/>
+              <a:t>en</a:t>
+            </a:r>
+            <a:r>
+              <a:rPr lang="en-US" dirty="0"/>
+              <a:t> </a:t>
+            </a:r>
+            <a:r>
+              <a:rPr lang="en-US" dirty="0" err="1"/>
+              <a:t>transparantie</a:t>
+            </a:r>
+            <a:r>
+              <a:rPr lang="en-US" dirty="0"/>
+              <a:t>. Binnen </a:t>
+            </a:r>
+            <a:r>
+              <a:rPr lang="en-US" dirty="0" err="1"/>
+              <a:t>deze</a:t>
+            </a:r>
+            <a:r>
+              <a:rPr lang="en-US" dirty="0"/>
+              <a:t> Eisen </a:t>
+            </a:r>
+            <a:r>
+              <a:rPr lang="en-US" dirty="0" err="1"/>
+              <a:t>waren</a:t>
+            </a:r>
+            <a:r>
+              <a:rPr lang="en-US" dirty="0"/>
+              <a:t> </a:t>
+            </a:r>
+            <a:r>
+              <a:rPr lang="en-US" dirty="0" err="1"/>
+              <a:t>github</a:t>
+            </a:r>
+            <a:r>
+              <a:rPr lang="en-US" dirty="0"/>
+              <a:t> </a:t>
+            </a:r>
+            <a:r>
+              <a:rPr lang="en-US" dirty="0" err="1"/>
+              <a:t>en</a:t>
+            </a:r>
+            <a:r>
+              <a:rPr lang="en-US" dirty="0"/>
+              <a:t> blockchain de </a:t>
+            </a:r>
+            <a:r>
+              <a:rPr lang="en-US" dirty="0" err="1"/>
+              <a:t>beste</a:t>
+            </a:r>
+            <a:r>
+              <a:rPr lang="en-US" dirty="0"/>
+              <a:t> </a:t>
+            </a:r>
+            <a:r>
+              <a:rPr lang="en-US" dirty="0" err="1"/>
+              <a:t>opties</a:t>
+            </a:r>
+            <a:r>
+              <a:rPr lang="en-US" dirty="0"/>
+              <a:t>. </a:t>
+            </a:r>
+            <a:r>
+              <a:rPr lang="en-US" dirty="0" err="1"/>
+              <a:t>Github</a:t>
+            </a:r>
+            <a:r>
+              <a:rPr lang="en-US" dirty="0"/>
+              <a:t> </a:t>
+            </a:r>
+            <a:r>
+              <a:rPr lang="en-US" dirty="0" err="1"/>
+              <a:t>als</a:t>
+            </a:r>
+            <a:r>
+              <a:rPr lang="en-US" dirty="0"/>
+              <a:t> </a:t>
+            </a:r>
+            <a:r>
+              <a:rPr lang="en-US" dirty="0" err="1"/>
+              <a:t>een</a:t>
+            </a:r>
+            <a:r>
+              <a:rPr lang="en-US" dirty="0"/>
+              <a:t> code platform </a:t>
+            </a:r>
+            <a:r>
+              <a:rPr lang="en-US" dirty="0" err="1"/>
+              <a:t>heeft</a:t>
+            </a:r>
+            <a:r>
+              <a:rPr lang="en-US" dirty="0"/>
+              <a:t> </a:t>
+            </a:r>
+            <a:r>
+              <a:rPr lang="en-US" dirty="0" err="1"/>
+              <a:t>een</a:t>
+            </a:r>
+            <a:r>
+              <a:rPr lang="en-US" dirty="0"/>
+              <a:t> erg </a:t>
+            </a:r>
+            <a:r>
+              <a:rPr lang="en-US" dirty="0" err="1"/>
+              <a:t>goed</a:t>
+            </a:r>
+            <a:r>
+              <a:rPr lang="en-US" dirty="0"/>
+              <a:t> </a:t>
+            </a:r>
+            <a:r>
+              <a:rPr lang="en-US" dirty="0" err="1"/>
+              <a:t>versiebeheer</a:t>
+            </a:r>
+            <a:r>
+              <a:rPr lang="en-US" dirty="0"/>
+              <a:t>. Maar blockchain was </a:t>
+            </a:r>
+            <a:r>
+              <a:rPr lang="en-US" dirty="0" err="1"/>
+              <a:t>toch</a:t>
+            </a:r>
+            <a:r>
+              <a:rPr lang="en-US" dirty="0"/>
+              <a:t> </a:t>
+            </a:r>
+            <a:r>
+              <a:rPr lang="en-US" dirty="0" err="1"/>
+              <a:t>beter</a:t>
+            </a:r>
+            <a:r>
+              <a:rPr lang="en-US" dirty="0"/>
+              <a:t> </a:t>
+            </a:r>
+            <a:r>
+              <a:rPr lang="en-US" dirty="0" err="1"/>
+              <a:t>voor</a:t>
+            </a:r>
+            <a:r>
+              <a:rPr lang="en-US" dirty="0"/>
+              <a:t> de </a:t>
+            </a:r>
+            <a:r>
+              <a:rPr lang="en-US" dirty="0" err="1"/>
+              <a:t>gegevens-integritieit</a:t>
+            </a:r>
+            <a:r>
+              <a:rPr lang="en-US" dirty="0"/>
+              <a:t> </a:t>
+            </a:r>
+            <a:r>
+              <a:rPr lang="en-US" dirty="0" err="1"/>
+              <a:t>en</a:t>
+            </a:r>
+            <a:r>
+              <a:rPr lang="en-US" dirty="0"/>
+              <a:t> </a:t>
+            </a:r>
+            <a:r>
+              <a:rPr lang="en-US" dirty="0" err="1"/>
+              <a:t>onveranderlijkheid</a:t>
+            </a:r>
+            <a:r>
+              <a:rPr lang="en-US" dirty="0"/>
+              <a:t>. Wat is blockchain? </a:t>
+            </a:r>
+            <a:r>
+              <a:rPr lang="en-US" dirty="0" err="1"/>
+              <a:t>Voorbeeld</a:t>
+            </a:r>
+            <a:r>
+              <a:rPr lang="en-US" dirty="0"/>
+              <a:t>… Elk block </a:t>
+            </a:r>
+            <a:r>
+              <a:rPr lang="en-US" dirty="0" err="1"/>
+              <a:t>bevat</a:t>
+            </a:r>
+            <a:r>
+              <a:rPr lang="en-US" dirty="0"/>
+              <a:t> </a:t>
+            </a:r>
+            <a:r>
+              <a:rPr lang="en-US" dirty="0" err="1"/>
+              <a:t>een</a:t>
+            </a:r>
+            <a:r>
+              <a:rPr lang="en-US" dirty="0"/>
+              <a:t> </a:t>
+            </a:r>
+            <a:r>
+              <a:rPr lang="en-US" dirty="0" err="1"/>
+              <a:t>stuk</a:t>
+            </a:r>
+            <a:r>
+              <a:rPr lang="en-US" dirty="0"/>
+              <a:t> </a:t>
+            </a:r>
+            <a:r>
+              <a:rPr lang="en-US" dirty="0" err="1"/>
+              <a:t>informatie</a:t>
+            </a:r>
+            <a:r>
+              <a:rPr lang="en-US" dirty="0"/>
+              <a:t>, </a:t>
+            </a:r>
+            <a:r>
+              <a:rPr lang="en-US" dirty="0" err="1"/>
+              <a:t>dus</a:t>
+            </a:r>
+            <a:r>
+              <a:rPr lang="en-US" dirty="0"/>
+              <a:t> </a:t>
+            </a:r>
+            <a:r>
+              <a:rPr lang="en-US" dirty="0" err="1"/>
+              <a:t>bijv</a:t>
+            </a:r>
+            <a:r>
+              <a:rPr lang="en-US" dirty="0"/>
+              <a:t> </a:t>
+            </a:r>
+            <a:r>
+              <a:rPr lang="en-US" dirty="0" err="1"/>
+              <a:t>een</a:t>
+            </a:r>
+            <a:r>
+              <a:rPr lang="en-US" dirty="0"/>
+              <a:t> </a:t>
+            </a:r>
+            <a:r>
+              <a:rPr lang="en-US" dirty="0" err="1"/>
+              <a:t>versie</a:t>
+            </a:r>
+            <a:r>
+              <a:rPr lang="en-US" dirty="0"/>
+              <a:t> van de IHM. </a:t>
+            </a:r>
+            <a:r>
+              <a:rPr lang="en-US" dirty="0" err="1"/>
+              <a:t>Eenmaal</a:t>
+            </a:r>
+            <a:r>
+              <a:rPr lang="en-US" dirty="0"/>
+              <a:t> </a:t>
+            </a:r>
+            <a:r>
+              <a:rPr lang="en-US" dirty="0" err="1"/>
+              <a:t>geupload</a:t>
+            </a:r>
+            <a:r>
+              <a:rPr lang="en-US" dirty="0"/>
+              <a:t> in de ‘chain’ (</a:t>
+            </a:r>
+            <a:r>
+              <a:rPr lang="en-US" dirty="0" err="1"/>
+              <a:t>een</a:t>
+            </a:r>
+            <a:r>
+              <a:rPr lang="en-US" dirty="0"/>
+              <a:t> link van blocks op </a:t>
+            </a:r>
+            <a:r>
+              <a:rPr lang="en-US" dirty="0" err="1"/>
+              <a:t>volgorde</a:t>
+            </a:r>
+            <a:r>
+              <a:rPr lang="en-US" dirty="0"/>
+              <a:t> </a:t>
+            </a:r>
+            <a:r>
+              <a:rPr lang="en-US" dirty="0" err="1"/>
+              <a:t>zoals</a:t>
+            </a:r>
+            <a:r>
+              <a:rPr lang="en-US" dirty="0"/>
+              <a:t> de </a:t>
+            </a:r>
+            <a:r>
+              <a:rPr lang="en-US" dirty="0" err="1"/>
+              <a:t>afbeelding</a:t>
+            </a:r>
+            <a:r>
+              <a:rPr lang="en-US" dirty="0"/>
+              <a:t>) </a:t>
+            </a:r>
+            <a:r>
+              <a:rPr lang="en-US" dirty="0" err="1"/>
+              <a:t>kan</a:t>
+            </a:r>
+            <a:r>
+              <a:rPr lang="en-US" dirty="0"/>
+              <a:t> de </a:t>
+            </a:r>
+            <a:r>
+              <a:rPr lang="en-US" dirty="0" err="1"/>
+              <a:t>informatie</a:t>
+            </a:r>
+            <a:r>
+              <a:rPr lang="en-US" dirty="0"/>
+              <a:t> </a:t>
+            </a:r>
+            <a:r>
+              <a:rPr lang="en-US" dirty="0" err="1"/>
+              <a:t>niet</a:t>
+            </a:r>
+            <a:r>
+              <a:rPr lang="en-US" dirty="0"/>
+              <a:t> </a:t>
+            </a:r>
+            <a:r>
+              <a:rPr lang="en-US" dirty="0" err="1"/>
+              <a:t>meer</a:t>
+            </a:r>
+            <a:r>
+              <a:rPr lang="en-US" dirty="0"/>
+              <a:t> </a:t>
+            </a:r>
+            <a:r>
+              <a:rPr lang="en-US" dirty="0" err="1"/>
+              <a:t>aangepast</a:t>
+            </a:r>
+            <a:r>
+              <a:rPr lang="en-US" dirty="0"/>
+              <a:t> </a:t>
+            </a:r>
+            <a:r>
+              <a:rPr lang="en-US" dirty="0" err="1"/>
+              <a:t>worden</a:t>
+            </a:r>
+            <a:r>
+              <a:rPr lang="en-US" dirty="0"/>
+              <a:t>. </a:t>
+            </a:r>
+            <a:r>
+              <a:rPr lang="en-US" dirty="0" err="1"/>
+              <a:t>Wel</a:t>
+            </a:r>
+            <a:r>
+              <a:rPr lang="en-US" dirty="0"/>
+              <a:t> </a:t>
+            </a:r>
+            <a:r>
+              <a:rPr lang="en-US" dirty="0" err="1"/>
+              <a:t>kan</a:t>
+            </a:r>
+            <a:r>
+              <a:rPr lang="en-US" dirty="0"/>
+              <a:t> het </a:t>
+            </a:r>
+            <a:r>
+              <a:rPr lang="en-US" dirty="0" err="1"/>
+              <a:t>geuploade</a:t>
+            </a:r>
+            <a:r>
+              <a:rPr lang="en-US" dirty="0"/>
+              <a:t> </a:t>
+            </a:r>
+            <a:r>
+              <a:rPr lang="en-US" dirty="0" err="1"/>
+              <a:t>bestand</a:t>
+            </a:r>
+            <a:r>
+              <a:rPr lang="en-US" dirty="0"/>
+              <a:t> </a:t>
+            </a:r>
+            <a:r>
+              <a:rPr lang="en-US" dirty="0" err="1"/>
+              <a:t>bekeken</a:t>
+            </a:r>
+            <a:r>
+              <a:rPr lang="en-US" dirty="0"/>
+              <a:t> </a:t>
+            </a:r>
+            <a:r>
+              <a:rPr lang="en-US" dirty="0" err="1"/>
+              <a:t>worden</a:t>
+            </a:r>
+            <a:r>
+              <a:rPr lang="en-US" dirty="0"/>
+              <a:t>. </a:t>
+            </a:r>
+            <a:r>
+              <a:rPr lang="en-US" dirty="0" err="1"/>
+              <a:t>Wanneer</a:t>
+            </a:r>
+            <a:r>
+              <a:rPr lang="en-US" dirty="0"/>
+              <a:t> </a:t>
+            </a:r>
+            <a:r>
+              <a:rPr lang="en-US" dirty="0" err="1"/>
+              <a:t>een</a:t>
+            </a:r>
+            <a:r>
+              <a:rPr lang="en-US" dirty="0"/>
+              <a:t> </a:t>
+            </a:r>
+            <a:r>
+              <a:rPr lang="en-US" dirty="0" err="1"/>
+              <a:t>nieuwe</a:t>
+            </a:r>
+            <a:r>
+              <a:rPr lang="en-US" dirty="0"/>
+              <a:t> </a:t>
+            </a:r>
+            <a:r>
+              <a:rPr lang="en-US" dirty="0" err="1"/>
+              <a:t>versie</a:t>
+            </a:r>
+            <a:r>
+              <a:rPr lang="en-US" dirty="0"/>
+              <a:t> van het IHM </a:t>
+            </a:r>
+            <a:r>
+              <a:rPr lang="en-US" dirty="0" err="1"/>
+              <a:t>nodig</a:t>
+            </a:r>
+            <a:r>
+              <a:rPr lang="en-US" dirty="0"/>
+              <a:t> is, </a:t>
+            </a:r>
+            <a:r>
+              <a:rPr lang="en-US" dirty="0" err="1"/>
+              <a:t>als</a:t>
+            </a:r>
+            <a:r>
+              <a:rPr lang="en-US" dirty="0"/>
+              <a:t> </a:t>
+            </a:r>
+            <a:r>
+              <a:rPr lang="en-US" dirty="0" err="1"/>
+              <a:t>bijv</a:t>
+            </a:r>
+            <a:r>
+              <a:rPr lang="en-US" dirty="0"/>
+              <a:t> er </a:t>
+            </a:r>
+            <a:r>
+              <a:rPr lang="en-US" dirty="0" err="1"/>
+              <a:t>asbest</a:t>
+            </a:r>
+            <a:r>
+              <a:rPr lang="en-US" dirty="0"/>
+              <a:t> is </a:t>
+            </a:r>
+            <a:r>
+              <a:rPr lang="en-US" dirty="0" err="1"/>
+              <a:t>weg</a:t>
+            </a:r>
+            <a:r>
+              <a:rPr lang="en-US" dirty="0"/>
+              <a:t> </a:t>
+            </a:r>
+            <a:r>
+              <a:rPr lang="en-US" dirty="0" err="1"/>
+              <a:t>gehaald</a:t>
+            </a:r>
+            <a:r>
+              <a:rPr lang="en-US" dirty="0"/>
+              <a:t>, dan </a:t>
+            </a:r>
+            <a:r>
+              <a:rPr lang="en-US" dirty="0" err="1"/>
+              <a:t>wordt</a:t>
+            </a:r>
+            <a:r>
+              <a:rPr lang="en-US" dirty="0"/>
+              <a:t> </a:t>
+            </a:r>
+            <a:r>
+              <a:rPr lang="en-US" dirty="0" err="1"/>
+              <a:t>deze</a:t>
+            </a:r>
+            <a:r>
+              <a:rPr lang="en-US" dirty="0"/>
+              <a:t> </a:t>
+            </a:r>
+            <a:r>
+              <a:rPr lang="en-US" dirty="0" err="1"/>
+              <a:t>versie</a:t>
+            </a:r>
+            <a:r>
+              <a:rPr lang="en-US" dirty="0"/>
+              <a:t> </a:t>
+            </a:r>
+            <a:r>
+              <a:rPr lang="en-US" dirty="0" err="1"/>
+              <a:t>aan</a:t>
+            </a:r>
+            <a:r>
+              <a:rPr lang="en-US" dirty="0"/>
+              <a:t> het </a:t>
+            </a:r>
+            <a:r>
+              <a:rPr lang="en-US" dirty="0" err="1"/>
+              <a:t>vorige</a:t>
+            </a:r>
+            <a:r>
+              <a:rPr lang="en-US" dirty="0"/>
+              <a:t> block </a:t>
+            </a:r>
+            <a:r>
+              <a:rPr lang="en-US" dirty="0" err="1"/>
+              <a:t>gechained</a:t>
+            </a:r>
+            <a:r>
+              <a:rPr lang="en-US" dirty="0"/>
+              <a:t>. Zo </a:t>
+            </a:r>
+            <a:r>
+              <a:rPr lang="en-US" dirty="0" err="1"/>
+              <a:t>heb</a:t>
+            </a:r>
+            <a:r>
+              <a:rPr lang="en-US" dirty="0"/>
+              <a:t> je </a:t>
+            </a:r>
+            <a:r>
+              <a:rPr lang="en-US" dirty="0" err="1"/>
+              <a:t>een</a:t>
+            </a:r>
+            <a:r>
+              <a:rPr lang="en-US" dirty="0"/>
+              <a:t> erg </a:t>
+            </a:r>
+            <a:r>
+              <a:rPr lang="en-US" dirty="0" err="1"/>
+              <a:t>goed</a:t>
+            </a:r>
+            <a:r>
+              <a:rPr lang="en-US" dirty="0"/>
+              <a:t> </a:t>
+            </a:r>
+            <a:r>
+              <a:rPr lang="en-US" dirty="0" err="1"/>
+              <a:t>versiebeheer</a:t>
+            </a:r>
+            <a:r>
+              <a:rPr lang="en-US" dirty="0"/>
+              <a:t> met </a:t>
+            </a:r>
+            <a:r>
+              <a:rPr lang="en-US" dirty="0" err="1"/>
+              <a:t>gebruiker</a:t>
+            </a:r>
+            <a:r>
+              <a:rPr lang="en-US" dirty="0"/>
+              <a:t> </a:t>
+            </a:r>
+            <a:r>
+              <a:rPr lang="en-US" dirty="0" err="1"/>
+              <a:t>en</a:t>
+            </a:r>
+            <a:r>
+              <a:rPr lang="en-US" dirty="0"/>
+              <a:t> timestamp maar </a:t>
+            </a:r>
+            <a:r>
+              <a:rPr lang="en-US" dirty="0" err="1"/>
+              <a:t>ook</a:t>
+            </a:r>
+            <a:r>
+              <a:rPr lang="en-US" dirty="0"/>
+              <a:t> de </a:t>
+            </a:r>
+            <a:r>
+              <a:rPr lang="en-US" dirty="0" err="1"/>
+              <a:t>onveranderlijkheid</a:t>
+            </a:r>
+            <a:r>
+              <a:rPr lang="en-US" dirty="0"/>
+              <a:t>. En </a:t>
+            </a:r>
+            <a:r>
+              <a:rPr lang="en-US" dirty="0" err="1"/>
+              <a:t>aangezien</a:t>
+            </a:r>
+            <a:r>
+              <a:rPr lang="en-US" dirty="0"/>
+              <a:t> </a:t>
+            </a:r>
+            <a:r>
+              <a:rPr lang="en-US" dirty="0" err="1"/>
+              <a:t>een</a:t>
+            </a:r>
+            <a:r>
+              <a:rPr lang="en-US" dirty="0"/>
+              <a:t> blockchain system </a:t>
+            </a:r>
+            <a:r>
+              <a:rPr lang="en-US" dirty="0" err="1"/>
+              <a:t>ook</a:t>
+            </a:r>
+            <a:r>
+              <a:rPr lang="en-US" dirty="0"/>
+              <a:t> </a:t>
+            </a:r>
+            <a:r>
+              <a:rPr lang="en-US" dirty="0" err="1"/>
+              <a:t>werkt</a:t>
+            </a:r>
+            <a:r>
+              <a:rPr lang="en-US" dirty="0"/>
+              <a:t> met hashes (</a:t>
+            </a:r>
+            <a:r>
+              <a:rPr lang="en-US" dirty="0" err="1"/>
+              <a:t>een</a:t>
+            </a:r>
+            <a:r>
+              <a:rPr lang="en-US" dirty="0"/>
+              <a:t> digitate </a:t>
+            </a:r>
+            <a:r>
+              <a:rPr lang="en-US" dirty="0" err="1"/>
+              <a:t>vingerafdruk</a:t>
+            </a:r>
+            <a:r>
+              <a:rPr lang="en-US" dirty="0"/>
+              <a:t> van het </a:t>
+            </a:r>
+            <a:r>
+              <a:rPr lang="en-US" dirty="0" err="1"/>
+              <a:t>bestand</a:t>
+            </a:r>
+            <a:r>
+              <a:rPr lang="en-US" dirty="0"/>
+              <a:t>) is </a:t>
+            </a:r>
+            <a:r>
+              <a:rPr lang="en-US" dirty="0" err="1"/>
+              <a:t>gemakkelijk</a:t>
+            </a:r>
+            <a:r>
+              <a:rPr lang="en-US" dirty="0"/>
+              <a:t> </a:t>
+            </a:r>
+            <a:r>
+              <a:rPr lang="en-US" dirty="0" err="1"/>
+              <a:t>te</a:t>
+            </a:r>
+            <a:r>
+              <a:rPr lang="en-US" dirty="0"/>
+              <a:t> </a:t>
+            </a:r>
+            <a:r>
+              <a:rPr lang="en-US" dirty="0" err="1"/>
+              <a:t>zien</a:t>
+            </a:r>
+            <a:r>
+              <a:rPr lang="en-US" dirty="0"/>
+              <a:t> of de </a:t>
+            </a:r>
+            <a:r>
+              <a:rPr lang="en-US" dirty="0" err="1"/>
+              <a:t>gegevensintegriteit</a:t>
+            </a:r>
+            <a:r>
+              <a:rPr lang="en-US" dirty="0"/>
+              <a:t> van </a:t>
+            </a:r>
+            <a:r>
+              <a:rPr lang="en-US" dirty="0" err="1"/>
+              <a:t>een</a:t>
+            </a:r>
+            <a:r>
+              <a:rPr lang="en-US" dirty="0"/>
+              <a:t> </a:t>
+            </a:r>
+            <a:r>
+              <a:rPr lang="en-US" dirty="0" err="1"/>
+              <a:t>bestand</a:t>
+            </a:r>
+            <a:r>
+              <a:rPr lang="en-US" dirty="0"/>
+              <a:t> in </a:t>
+            </a:r>
+            <a:r>
+              <a:rPr lang="en-US" dirty="0" err="1"/>
+              <a:t>orde</a:t>
+            </a:r>
+            <a:r>
+              <a:rPr lang="en-US" dirty="0"/>
+              <a:t> is. </a:t>
+            </a:r>
+          </a:p>
+          <a:p>
+            <a:endParaRPr lang="en-US" dirty="0"/>
+          </a:p>
+          <a:p>
+            <a:r>
+              <a:rPr lang="en-US" dirty="0"/>
+              <a:t>Er </a:t>
+            </a:r>
+            <a:r>
+              <a:rPr lang="en-US" dirty="0" err="1"/>
+              <a:t>zijn</a:t>
+            </a:r>
+            <a:r>
+              <a:rPr lang="en-US" dirty="0"/>
+              <a:t> </a:t>
+            </a:r>
+            <a:r>
+              <a:rPr lang="en-US" dirty="0" err="1"/>
+              <a:t>publieke</a:t>
+            </a:r>
+            <a:r>
+              <a:rPr lang="en-US" dirty="0"/>
+              <a:t> blockchain systemin </a:t>
+            </a:r>
+            <a:r>
+              <a:rPr lang="en-US" dirty="0" err="1"/>
+              <a:t>zoals</a:t>
+            </a:r>
+            <a:r>
+              <a:rPr lang="en-US" dirty="0"/>
+              <a:t> blockchain, maar </a:t>
+            </a:r>
+            <a:r>
+              <a:rPr lang="en-US" dirty="0" err="1"/>
+              <a:t>aangezien</a:t>
+            </a:r>
+            <a:r>
+              <a:rPr lang="en-US" dirty="0"/>
+              <a:t> </a:t>
+            </a:r>
+            <a:r>
+              <a:rPr lang="en-US" dirty="0" err="1"/>
+              <a:t>dit</a:t>
+            </a:r>
+            <a:r>
+              <a:rPr lang="en-US" dirty="0"/>
+              <a:t> </a:t>
+            </a:r>
+            <a:r>
+              <a:rPr lang="en-US" dirty="0" err="1"/>
+              <a:t>systeem</a:t>
+            </a:r>
+            <a:r>
+              <a:rPr lang="en-US" dirty="0"/>
+              <a:t> </a:t>
+            </a:r>
+            <a:r>
+              <a:rPr lang="en-US" dirty="0" err="1"/>
+              <a:t>niet</a:t>
+            </a:r>
+            <a:r>
+              <a:rPr lang="en-US" dirty="0"/>
+              <a:t> door </a:t>
+            </a:r>
+            <a:r>
+              <a:rPr lang="en-US" dirty="0" err="1"/>
+              <a:t>iedereen</a:t>
+            </a:r>
+            <a:r>
+              <a:rPr lang="en-US" dirty="0"/>
+              <a:t> </a:t>
+            </a:r>
+            <a:r>
+              <a:rPr lang="en-US" dirty="0" err="1"/>
+              <a:t>ingelezen</a:t>
+            </a:r>
+            <a:r>
+              <a:rPr lang="en-US" dirty="0"/>
+              <a:t> mag </a:t>
+            </a:r>
+            <a:r>
+              <a:rPr lang="en-US" dirty="0" err="1"/>
+              <a:t>worden</a:t>
+            </a:r>
+            <a:r>
+              <a:rPr lang="en-US" dirty="0"/>
+              <a:t> is er </a:t>
+            </a:r>
+            <a:r>
+              <a:rPr lang="en-US" dirty="0" err="1"/>
+              <a:t>gekozen</a:t>
+            </a:r>
+            <a:r>
+              <a:rPr lang="en-US" dirty="0"/>
+              <a:t> </a:t>
+            </a:r>
+            <a:r>
+              <a:rPr lang="en-US" dirty="0" err="1"/>
+              <a:t>voor</a:t>
+            </a:r>
+            <a:r>
+              <a:rPr lang="en-US" dirty="0"/>
+              <a:t> </a:t>
+            </a:r>
+            <a:r>
+              <a:rPr lang="en-US" dirty="0" err="1"/>
+              <a:t>een</a:t>
+            </a:r>
+            <a:r>
+              <a:rPr lang="en-US" dirty="0"/>
+              <a:t> </a:t>
+            </a:r>
+            <a:r>
+              <a:rPr lang="en-US" dirty="0" err="1"/>
+              <a:t>zelfgeschreven</a:t>
+            </a:r>
+            <a:r>
+              <a:rPr lang="en-US" dirty="0"/>
+              <a:t> </a:t>
+            </a:r>
+            <a:r>
+              <a:rPr lang="en-US" dirty="0" err="1"/>
+              <a:t>prive</a:t>
+            </a:r>
+            <a:r>
+              <a:rPr lang="en-US" dirty="0"/>
+              <a:t> </a:t>
+            </a:r>
+            <a:r>
+              <a:rPr lang="en-US" dirty="0" err="1"/>
+              <a:t>netwerk</a:t>
+            </a:r>
+            <a:r>
+              <a:rPr lang="en-US" dirty="0"/>
+              <a:t>.  </a:t>
+            </a:r>
+            <a:r>
+              <a:rPr lang="en-US" dirty="0" err="1"/>
+              <a:t>Dit</a:t>
+            </a:r>
+            <a:r>
+              <a:rPr lang="en-US" dirty="0"/>
+              <a:t> door de </a:t>
+            </a:r>
+            <a:r>
+              <a:rPr lang="en-US" dirty="0" err="1"/>
+              <a:t>snelle</a:t>
+            </a:r>
+            <a:r>
+              <a:rPr lang="en-US" dirty="0"/>
+              <a:t> </a:t>
+            </a:r>
+            <a:r>
+              <a:rPr lang="en-US" dirty="0" err="1"/>
+              <a:t>ontwikkeltijd</a:t>
+            </a:r>
+            <a:r>
+              <a:rPr lang="en-US" dirty="0"/>
+              <a:t> </a:t>
+            </a:r>
+            <a:r>
+              <a:rPr lang="en-US" dirty="0" err="1"/>
+              <a:t>en</a:t>
+            </a:r>
+            <a:r>
+              <a:rPr lang="en-US" dirty="0"/>
+              <a:t> de sensitives </a:t>
+            </a:r>
+            <a:r>
+              <a:rPr lang="en-US" dirty="0" err="1"/>
+              <a:t>informatie</a:t>
+            </a:r>
+            <a:r>
+              <a:rPr lang="en-US" dirty="0"/>
+              <a:t> </a:t>
+            </a:r>
+            <a:r>
+              <a:rPr lang="en-US" dirty="0" err="1"/>
+              <a:t>beter</a:t>
+            </a:r>
+            <a:r>
+              <a:rPr lang="en-US" dirty="0"/>
+              <a:t> is </a:t>
+            </a:r>
+            <a:r>
+              <a:rPr lang="en-US" dirty="0" err="1"/>
+              <a:t>beschermd</a:t>
+            </a:r>
+            <a:r>
+              <a:rPr lang="en-US" dirty="0"/>
+              <a:t>.</a:t>
+            </a:r>
+          </a:p>
+          <a:p>
+            <a:endParaRPr lang="en-NL" dirty="0"/>
+          </a:p>
+        </p:txBody>
+      </p:sp>
+      <p:sp>
+        <p:nvSpPr>
+          <p:cNvPr id="4" name="Slide Number Placeholder 3"/>
+          <p:cNvSpPr>
+            <a:spLocks noGrp="1"/>
+          </p:cNvSpPr>
+          <p:nvPr>
+            <p:ph type="sldNum" sz="quarter" idx="5"/>
+          </p:nvPr>
+        </p:nvSpPr>
+        <p:spPr/>
+        <p:txBody>
+          <a:bodyPr/>
+          <a:lstStyle/>
+          <a:p>
+            <a:fld id="{5DF83CC5-2AD6-4A79-9F63-F9AAEFF73EC5}" type="slidenum">
+              <a:rPr lang="en-NL" smtClean="0"/>
+              <a:t>6</a:t>
+            </a:fld>
+            <a:endParaRPr lang="en-NL"/>
+          </a:p>
+        </p:txBody>
+      </p:sp>
+    </p:spTree>
+    <p:extLst>
+      <p:ext uri="{BB962C8B-B14F-4D97-AF65-F5344CB8AC3E}">
+        <p14:creationId xmlns:p14="http://schemas.microsoft.com/office/powerpoint/2010/main" val="4290595565"/>
+      </p:ext>
+    </p:extLst>
+  </p:cSld>
+  <p:clrMapOvr>
+    <a:masterClrMapping/>
+  </p:clrMapOvr>
+</p:notes>
+</file>
+
+<file path=ppt/notesSlides/notesSlide3.xml><?xml version="1.0" encoding="utf-8"?>
+<p:notes xmlns:a="http://schemas.openxmlformats.org/drawingml/2006/main" xmlns:r="http://schemas.openxmlformats.org/officeDocument/2006/relationships" xmlns:p="http://schemas.openxmlformats.org/presentationml/2006/main">
+  <p:cSld>
+    <p:spTree>
+      <p:nvGrpSpPr>
+        <p:cNvPr id="1" name=""/>
+        <p:cNvGrpSpPr/>
+        <p:nvPr/>
+      </p:nvGrpSpPr>
+      <p:grpSpPr>
+        <a:xfrm>
+          <a:off x="0" y="0"/>
+          <a:ext cx="0" cy="0"/>
+          <a:chOff x="0" y="0"/>
+          <a:chExt cx="0" cy="0"/>
+        </a:xfrm>
+      </p:grpSpPr>
+      <p:sp>
+        <p:nvSpPr>
+          <p:cNvPr id="2" name="Slide Image Placeholder 1"/>
+          <p:cNvSpPr>
+            <a:spLocks noGrp="1" noRot="1" noChangeAspect="1"/>
+          </p:cNvSpPr>
+          <p:nvPr>
+            <p:ph type="sldImg"/>
+          </p:nvPr>
+        </p:nvSpPr>
+        <p:spPr/>
+      </p:sp>
+      <p:sp>
+        <p:nvSpPr>
+          <p:cNvPr id="3" name="Notes Placeholder 2"/>
+          <p:cNvSpPr>
+            <a:spLocks noGrp="1"/>
+          </p:cNvSpPr>
+          <p:nvPr>
+            <p:ph type="body" idx="1"/>
+          </p:nvPr>
+        </p:nvSpPr>
+        <p:spPr/>
+        <p:txBody>
+          <a:bodyPr/>
+          <a:lstStyle/>
+          <a:p>
+            <a:r>
+              <a:rPr lang="nl-NL" sz="1800" dirty="0" err="1">
+                <a:effectLst/>
+                <a:latin typeface="Calibri" panose="020F0502020204030204" pitchFamily="34" charset="0"/>
+                <a:ea typeface="PMingLiU" panose="02020500000000000000" pitchFamily="18" charset="-120"/>
+                <a:cs typeface="Times New Roman" panose="02020603050405020304" pitchFamily="18" charset="0"/>
+              </a:rPr>
+              <a:t>LoRa</a:t>
+            </a:r>
+            <a:r>
+              <a:rPr lang="nl-NL" sz="1800" dirty="0">
+                <a:effectLst/>
+                <a:latin typeface="Calibri" panose="020F0502020204030204" pitchFamily="34" charset="0"/>
+                <a:ea typeface="PMingLiU" panose="02020500000000000000" pitchFamily="18" charset="-120"/>
+                <a:cs typeface="Times New Roman" panose="02020603050405020304" pitchFamily="18" charset="0"/>
+              </a:rPr>
+              <a:t> is een draadloze modulatie techniek, die informatie via radio golven verstuurt in pulsen waardoor ze een vrij grote afstand kunnen overbruggen</a:t>
+            </a:r>
+          </a:p>
+          <a:p>
+            <a:endParaRPr lang="nl-NL" sz="1800" dirty="0">
+              <a:effectLst/>
+              <a:latin typeface="Calibri" panose="020F0502020204030204" pitchFamily="34" charset="0"/>
+              <a:ea typeface="PMingLiU" panose="02020500000000000000" pitchFamily="18" charset="-120"/>
+              <a:cs typeface="Times New Roman" panose="02020603050405020304" pitchFamily="18" charset="0"/>
+            </a:endParaRPr>
+          </a:p>
+          <a:p>
+            <a:r>
+              <a:rPr lang="nl-NL" sz="1800" dirty="0">
+                <a:effectLst/>
+                <a:latin typeface="Calibri" panose="020F0502020204030204" pitchFamily="34" charset="0"/>
+                <a:ea typeface="PMingLiU" panose="02020500000000000000" pitchFamily="18" charset="-120"/>
+                <a:cs typeface="Times New Roman" panose="02020603050405020304" pitchFamily="18" charset="0"/>
+              </a:rPr>
+              <a:t>de </a:t>
+            </a:r>
+            <a:r>
+              <a:rPr lang="nl-NL" sz="1800" dirty="0" err="1">
+                <a:effectLst/>
+                <a:latin typeface="Calibri" panose="020F0502020204030204" pitchFamily="34" charset="0"/>
+                <a:ea typeface="PMingLiU" panose="02020500000000000000" pitchFamily="18" charset="-120"/>
+                <a:cs typeface="Times New Roman" panose="02020603050405020304" pitchFamily="18" charset="0"/>
+              </a:rPr>
+              <a:t>LoRa</a:t>
+            </a:r>
+            <a:r>
+              <a:rPr lang="nl-NL" sz="1800" dirty="0">
+                <a:effectLst/>
+                <a:latin typeface="Calibri" panose="020F0502020204030204" pitchFamily="34" charset="0"/>
+                <a:ea typeface="PMingLiU" panose="02020500000000000000" pitchFamily="18" charset="-120"/>
+                <a:cs typeface="Times New Roman" panose="02020603050405020304" pitchFamily="18" charset="0"/>
+              </a:rPr>
+              <a:t> verzender kan via een </a:t>
+            </a:r>
+            <a:r>
+              <a:rPr lang="nl-NL" sz="1800" dirty="0" err="1">
+                <a:effectLst/>
+                <a:latin typeface="Calibri" panose="020F0502020204030204" pitchFamily="34" charset="0"/>
+                <a:ea typeface="PMingLiU" panose="02020500000000000000" pitchFamily="18" charset="-120"/>
+                <a:cs typeface="Times New Roman" panose="02020603050405020304" pitchFamily="18" charset="0"/>
+              </a:rPr>
+              <a:t>LoRaWAN</a:t>
+            </a:r>
+            <a:r>
+              <a:rPr lang="nl-NL" sz="1800" dirty="0">
+                <a:effectLst/>
+                <a:latin typeface="Calibri" panose="020F0502020204030204" pitchFamily="34" charset="0"/>
+                <a:ea typeface="PMingLiU" panose="02020500000000000000" pitchFamily="18" charset="-120"/>
+                <a:cs typeface="Times New Roman" panose="02020603050405020304" pitchFamily="18" charset="0"/>
+              </a:rPr>
+              <a:t> gateway verbinding maken met het internet. </a:t>
+            </a:r>
+            <a:r>
+              <a:rPr lang="nl-NL" sz="1800" dirty="0" err="1">
+                <a:effectLst/>
+                <a:latin typeface="Calibri" panose="020F0502020204030204" pitchFamily="34" charset="0"/>
+                <a:ea typeface="PMingLiU" panose="02020500000000000000" pitchFamily="18" charset="-120"/>
+                <a:cs typeface="Times New Roman" panose="02020603050405020304" pitchFamily="18" charset="0"/>
+              </a:rPr>
+              <a:t>LoRa</a:t>
+            </a:r>
+            <a:r>
+              <a:rPr lang="nl-NL" sz="1800" dirty="0">
+                <a:effectLst/>
+                <a:latin typeface="Calibri" panose="020F0502020204030204" pitchFamily="34" charset="0"/>
+                <a:ea typeface="PMingLiU" panose="02020500000000000000" pitchFamily="18" charset="-120"/>
+                <a:cs typeface="Times New Roman" panose="02020603050405020304" pitchFamily="18" charset="0"/>
+              </a:rPr>
+              <a:t> heeft een bereik van 2-5 Km in bebouwde gebieden. </a:t>
+            </a:r>
+          </a:p>
+          <a:p>
+            <a:endParaRPr lang="nl-NL" sz="1800" dirty="0">
+              <a:effectLst/>
+              <a:latin typeface="Calibri" panose="020F0502020204030204" pitchFamily="34" charset="0"/>
+              <a:ea typeface="PMingLiU" panose="02020500000000000000" pitchFamily="18" charset="-120"/>
+              <a:cs typeface="Times New Roman" panose="02020603050405020304" pitchFamily="18" charset="0"/>
+            </a:endParaRPr>
+          </a:p>
+          <a:p>
+            <a:r>
+              <a:rPr lang="nl-NL" sz="1800" dirty="0">
+                <a:effectLst/>
+                <a:latin typeface="Calibri" panose="020F0502020204030204" pitchFamily="34" charset="0"/>
+                <a:ea typeface="PMingLiU" panose="02020500000000000000" pitchFamily="18" charset="-120"/>
+                <a:cs typeface="Times New Roman" panose="02020603050405020304" pitchFamily="18" charset="0"/>
+              </a:rPr>
+              <a:t>NIET VEEL DATA OVER LORA</a:t>
+            </a:r>
+          </a:p>
+          <a:p>
+            <a:endParaRPr lang="en-US" dirty="0"/>
+          </a:p>
+          <a:p>
+            <a:r>
+              <a:rPr lang="en-US" dirty="0"/>
+              <a:t>Lora </a:t>
+            </a:r>
+            <a:r>
+              <a:rPr lang="en-US" dirty="0" err="1"/>
+              <a:t>goedkoop</a:t>
+            </a:r>
+            <a:r>
+              <a:rPr lang="en-US" dirty="0"/>
+              <a:t> </a:t>
+            </a:r>
+            <a:r>
+              <a:rPr lang="en-US" dirty="0" err="1"/>
+              <a:t>en</a:t>
+            </a:r>
+            <a:r>
+              <a:rPr lang="en-US" dirty="0"/>
+              <a:t> </a:t>
+            </a:r>
+            <a:r>
+              <a:rPr lang="en-US" dirty="0" err="1"/>
+              <a:t>makelijke</a:t>
+            </a:r>
+            <a:r>
+              <a:rPr lang="en-US" dirty="0"/>
+              <a:t> </a:t>
+            </a:r>
+            <a:r>
+              <a:rPr lang="en-US" dirty="0" err="1"/>
+              <a:t>implementatie</a:t>
+            </a:r>
+            <a:endParaRPr lang="en-NL" dirty="0"/>
+          </a:p>
+        </p:txBody>
+      </p:sp>
+      <p:sp>
+        <p:nvSpPr>
+          <p:cNvPr id="4" name="Slide Number Placeholder 3"/>
+          <p:cNvSpPr>
+            <a:spLocks noGrp="1"/>
+          </p:cNvSpPr>
+          <p:nvPr>
+            <p:ph type="sldNum" sz="quarter" idx="5"/>
+          </p:nvPr>
+        </p:nvSpPr>
+        <p:spPr/>
+        <p:txBody>
+          <a:bodyPr/>
+          <a:lstStyle/>
+          <a:p>
+            <a:fld id="{5DF83CC5-2AD6-4A79-9F63-F9AAEFF73EC5}" type="slidenum">
+              <a:rPr lang="en-NL" smtClean="0"/>
+              <a:t>7</a:t>
+            </a:fld>
+            <a:endParaRPr lang="en-NL"/>
+          </a:p>
+        </p:txBody>
+      </p:sp>
+    </p:spTree>
+    <p:extLst>
+      <p:ext uri="{BB962C8B-B14F-4D97-AF65-F5344CB8AC3E}">
+        <p14:creationId xmlns:p14="http://schemas.microsoft.com/office/powerpoint/2010/main" val="2555242434"/>
+      </p:ext>
+    </p:extLst>
+  </p:cSld>
+  <p:clrMapOvr>
+    <a:masterClrMapping/>
+  </p:clrMapOvr>
+</p:notes>
+</file>
+
+<file path=ppt/notesSlides/notesSlide4.xml><?xml version="1.0" encoding="utf-8"?>
+<p:notes xmlns:a="http://schemas.openxmlformats.org/drawingml/2006/main" xmlns:r="http://schemas.openxmlformats.org/officeDocument/2006/relationships" xmlns:p="http://schemas.openxmlformats.org/presentationml/2006/main">
+  <p:cSld>
+    <p:spTree>
+      <p:nvGrpSpPr>
+        <p:cNvPr id="1" name=""/>
+        <p:cNvGrpSpPr/>
+        <p:nvPr/>
+      </p:nvGrpSpPr>
+      <p:grpSpPr>
+        <a:xfrm>
+          <a:off x="0" y="0"/>
+          <a:ext cx="0" cy="0"/>
+          <a:chOff x="0" y="0"/>
+          <a:chExt cx="0" cy="0"/>
+        </a:xfrm>
+      </p:grpSpPr>
+      <p:sp>
+        <p:nvSpPr>
+          <p:cNvPr id="2" name="Slide Image Placeholder 1"/>
+          <p:cNvSpPr>
+            <a:spLocks noGrp="1" noRot="1" noChangeAspect="1"/>
+          </p:cNvSpPr>
+          <p:nvPr>
+            <p:ph type="sldImg"/>
+          </p:nvPr>
+        </p:nvSpPr>
+        <p:spPr/>
+      </p:sp>
+      <p:sp>
+        <p:nvSpPr>
+          <p:cNvPr id="3" name="Notes Placeholder 2"/>
+          <p:cNvSpPr>
+            <a:spLocks noGrp="1"/>
+          </p:cNvSpPr>
+          <p:nvPr>
+            <p:ph type="body" idx="1"/>
+          </p:nvPr>
+        </p:nvSpPr>
+        <p:spPr/>
+        <p:txBody>
+          <a:bodyPr/>
+          <a:lstStyle/>
+          <a:p>
+            <a:r>
+              <a:rPr lang="nl-NL" sz="1800" dirty="0" err="1">
+                <a:effectLst/>
+                <a:latin typeface="Calibri" panose="020F0502020204030204" pitchFamily="34" charset="0"/>
+                <a:ea typeface="PMingLiU" panose="02020500000000000000" pitchFamily="18" charset="-120"/>
+                <a:cs typeface="Times New Roman" panose="02020603050405020304" pitchFamily="18" charset="0"/>
+              </a:rPr>
+              <a:t>LoRa</a:t>
+            </a:r>
+            <a:r>
+              <a:rPr lang="nl-NL" sz="1800" dirty="0">
+                <a:effectLst/>
+                <a:latin typeface="Calibri" panose="020F0502020204030204" pitchFamily="34" charset="0"/>
+                <a:ea typeface="PMingLiU" panose="02020500000000000000" pitchFamily="18" charset="-120"/>
+                <a:cs typeface="Times New Roman" panose="02020603050405020304" pitchFamily="18" charset="0"/>
+              </a:rPr>
+              <a:t> is een draadloze modulatie techniek, die informatie via radio golven verstuurt in pulsen waardoor ze een vrij grote afstand kunnen overbruggen</a:t>
+            </a:r>
+          </a:p>
+          <a:p>
+            <a:endParaRPr lang="nl-NL" sz="1800" dirty="0">
+              <a:effectLst/>
+              <a:latin typeface="Calibri" panose="020F0502020204030204" pitchFamily="34" charset="0"/>
+              <a:ea typeface="PMingLiU" panose="02020500000000000000" pitchFamily="18" charset="-120"/>
+              <a:cs typeface="Times New Roman" panose="02020603050405020304" pitchFamily="18" charset="0"/>
+            </a:endParaRPr>
+          </a:p>
+          <a:p>
+            <a:r>
+              <a:rPr lang="nl-NL" sz="1800" dirty="0">
+                <a:effectLst/>
+                <a:latin typeface="Calibri" panose="020F0502020204030204" pitchFamily="34" charset="0"/>
+                <a:ea typeface="PMingLiU" panose="02020500000000000000" pitchFamily="18" charset="-120"/>
+                <a:cs typeface="Times New Roman" panose="02020603050405020304" pitchFamily="18" charset="0"/>
+              </a:rPr>
+              <a:t>de </a:t>
+            </a:r>
+            <a:r>
+              <a:rPr lang="nl-NL" sz="1800" dirty="0" err="1">
+                <a:effectLst/>
+                <a:latin typeface="Calibri" panose="020F0502020204030204" pitchFamily="34" charset="0"/>
+                <a:ea typeface="PMingLiU" panose="02020500000000000000" pitchFamily="18" charset="-120"/>
+                <a:cs typeface="Times New Roman" panose="02020603050405020304" pitchFamily="18" charset="0"/>
+              </a:rPr>
+              <a:t>LoRa</a:t>
+            </a:r>
+            <a:r>
+              <a:rPr lang="nl-NL" sz="1800" dirty="0">
+                <a:effectLst/>
+                <a:latin typeface="Calibri" panose="020F0502020204030204" pitchFamily="34" charset="0"/>
+                <a:ea typeface="PMingLiU" panose="02020500000000000000" pitchFamily="18" charset="-120"/>
+                <a:cs typeface="Times New Roman" panose="02020603050405020304" pitchFamily="18" charset="0"/>
+              </a:rPr>
+              <a:t> verzender kan via een </a:t>
+            </a:r>
+            <a:r>
+              <a:rPr lang="nl-NL" sz="1800" dirty="0" err="1">
+                <a:effectLst/>
+                <a:latin typeface="Calibri" panose="020F0502020204030204" pitchFamily="34" charset="0"/>
+                <a:ea typeface="PMingLiU" panose="02020500000000000000" pitchFamily="18" charset="-120"/>
+                <a:cs typeface="Times New Roman" panose="02020603050405020304" pitchFamily="18" charset="0"/>
+              </a:rPr>
+              <a:t>LoRaWAN</a:t>
+            </a:r>
+            <a:r>
+              <a:rPr lang="nl-NL" sz="1800" dirty="0">
+                <a:effectLst/>
+                <a:latin typeface="Calibri" panose="020F0502020204030204" pitchFamily="34" charset="0"/>
+                <a:ea typeface="PMingLiU" panose="02020500000000000000" pitchFamily="18" charset="-120"/>
+                <a:cs typeface="Times New Roman" panose="02020603050405020304" pitchFamily="18" charset="0"/>
+              </a:rPr>
+              <a:t> gateway verbinding maken met het internet. </a:t>
+            </a:r>
+            <a:r>
+              <a:rPr lang="nl-NL" sz="1800" dirty="0" err="1">
+                <a:effectLst/>
+                <a:latin typeface="Calibri" panose="020F0502020204030204" pitchFamily="34" charset="0"/>
+                <a:ea typeface="PMingLiU" panose="02020500000000000000" pitchFamily="18" charset="-120"/>
+                <a:cs typeface="Times New Roman" panose="02020603050405020304" pitchFamily="18" charset="0"/>
+              </a:rPr>
+              <a:t>LoRa</a:t>
+            </a:r>
+            <a:r>
+              <a:rPr lang="nl-NL" sz="1800" dirty="0">
+                <a:effectLst/>
+                <a:latin typeface="Calibri" panose="020F0502020204030204" pitchFamily="34" charset="0"/>
+                <a:ea typeface="PMingLiU" panose="02020500000000000000" pitchFamily="18" charset="-120"/>
+                <a:cs typeface="Times New Roman" panose="02020603050405020304" pitchFamily="18" charset="0"/>
+              </a:rPr>
+              <a:t> heeft een bereik van 2-5 Km in bebouwde gebieden. </a:t>
+            </a:r>
+          </a:p>
+          <a:p>
+            <a:endParaRPr lang="nl-NL" sz="1800" dirty="0">
+              <a:effectLst/>
+              <a:latin typeface="Calibri" panose="020F0502020204030204" pitchFamily="34" charset="0"/>
+              <a:ea typeface="PMingLiU" panose="02020500000000000000" pitchFamily="18" charset="-120"/>
+              <a:cs typeface="Times New Roman" panose="02020603050405020304" pitchFamily="18" charset="0"/>
+            </a:endParaRPr>
+          </a:p>
+          <a:p>
+            <a:r>
+              <a:rPr lang="nl-NL" sz="1800" dirty="0">
+                <a:effectLst/>
+                <a:latin typeface="Calibri" panose="020F0502020204030204" pitchFamily="34" charset="0"/>
+                <a:ea typeface="PMingLiU" panose="02020500000000000000" pitchFamily="18" charset="-120"/>
+                <a:cs typeface="Times New Roman" panose="02020603050405020304" pitchFamily="18" charset="0"/>
+              </a:rPr>
+              <a:t>NIET VEEL DATA OVER LORA</a:t>
+            </a:r>
+          </a:p>
+          <a:p>
+            <a:endParaRPr lang="en-US" dirty="0"/>
+          </a:p>
+          <a:p>
+            <a:r>
+              <a:rPr lang="en-US" dirty="0"/>
+              <a:t>Lora </a:t>
+            </a:r>
+            <a:r>
+              <a:rPr lang="en-US" dirty="0" err="1"/>
+              <a:t>goedkoop</a:t>
+            </a:r>
+            <a:r>
+              <a:rPr lang="en-US" dirty="0"/>
+              <a:t> </a:t>
+            </a:r>
+            <a:r>
+              <a:rPr lang="en-US" dirty="0" err="1"/>
+              <a:t>en</a:t>
+            </a:r>
+            <a:r>
+              <a:rPr lang="en-US" dirty="0"/>
+              <a:t> </a:t>
+            </a:r>
+            <a:r>
+              <a:rPr lang="en-US" dirty="0" err="1"/>
+              <a:t>makelijke</a:t>
+            </a:r>
+            <a:r>
+              <a:rPr lang="en-US" dirty="0"/>
+              <a:t> </a:t>
+            </a:r>
+            <a:r>
+              <a:rPr lang="en-US" dirty="0" err="1"/>
+              <a:t>implementatie</a:t>
+            </a:r>
+            <a:endParaRPr lang="en-NL" dirty="0"/>
+          </a:p>
+        </p:txBody>
+      </p:sp>
+      <p:sp>
+        <p:nvSpPr>
+          <p:cNvPr id="4" name="Slide Number Placeholder 3"/>
+          <p:cNvSpPr>
+            <a:spLocks noGrp="1"/>
+          </p:cNvSpPr>
+          <p:nvPr>
+            <p:ph type="sldNum" sz="quarter" idx="5"/>
+          </p:nvPr>
+        </p:nvSpPr>
+        <p:spPr/>
+        <p:txBody>
+          <a:bodyPr/>
+          <a:lstStyle/>
+          <a:p>
+            <a:fld id="{5DF83CC5-2AD6-4A79-9F63-F9AAEFF73EC5}" type="slidenum">
+              <a:rPr lang="en-NL" smtClean="0"/>
+              <a:t>8</a:t>
+            </a:fld>
+            <a:endParaRPr lang="en-NL"/>
+          </a:p>
+        </p:txBody>
+      </p:sp>
+    </p:spTree>
+    <p:extLst>
+      <p:ext uri="{BB962C8B-B14F-4D97-AF65-F5344CB8AC3E}">
+        <p14:creationId xmlns:p14="http://schemas.microsoft.com/office/powerpoint/2010/main" val="154581262"/>
+      </p:ext>
+    </p:extLst>
+  </p:cSld>
+  <p:clrMapOvr>
+    <a:masterClrMapping/>
+  </p:clrMapOvr>
+</p:notes>
 </file>
 
 <file path=ppt/slideLayouts/slideLayout1.xml><?xml version="1.0" encoding="utf-8"?>
@@ -260,7 +3297,7 @@
           <a:p>
             <a:fld id="{3C2B07E4-CDF9-4C88-A2F3-04620E58224D}" type="datetimeFigureOut">
               <a:rPr lang="en-US" smtClean="0"/>
-              <a:t>4/1/2024</a:t>
+              <a:t>4/2/2024</a:t>
             </a:fld>
             <a:endParaRPr lang="en-US"/>
           </a:p>
@@ -550,7 +3587,7 @@
           <a:p>
             <a:fld id="{3C2B07E4-CDF9-4C88-A2F3-04620E58224D}" type="datetimeFigureOut">
               <a:rPr lang="en-US" smtClean="0"/>
-              <a:t>4/1/2024</a:t>
+              <a:t>4/2/2024</a:t>
             </a:fld>
             <a:endParaRPr lang="en-US"/>
           </a:p>
@@ -802,7 +3839,7 @@
           <a:p>
             <a:fld id="{3C2B07E4-CDF9-4C88-A2F3-04620E58224D}" type="datetimeFigureOut">
               <a:rPr lang="en-US" smtClean="0"/>
-              <a:t>4/1/2024</a:t>
+              <a:t>4/2/2024</a:t>
             </a:fld>
             <a:endParaRPr lang="en-US"/>
           </a:p>
@@ -1054,7 +4091,7 @@
           <a:p>
             <a:fld id="{3C2B07E4-CDF9-4C88-A2F3-04620E58224D}" type="datetimeFigureOut">
               <a:rPr lang="en-US" smtClean="0"/>
-              <a:t>4/1/2024</a:t>
+              <a:t>4/2/2024</a:t>
             </a:fld>
             <a:endParaRPr lang="en-US"/>
           </a:p>
@@ -1383,7 +4420,7 @@
           <a:p>
             <a:fld id="{3C2B07E4-CDF9-4C88-A2F3-04620E58224D}" type="datetimeFigureOut">
               <a:rPr lang="en-US" smtClean="0"/>
-              <a:t>4/1/2024</a:t>
+              <a:t>4/2/2024</a:t>
             </a:fld>
             <a:endParaRPr lang="en-US"/>
           </a:p>
@@ -1733,7 +4770,7 @@
           <a:p>
             <a:fld id="{3C2B07E4-CDF9-4C88-A2F3-04620E58224D}" type="datetimeFigureOut">
               <a:rPr lang="en-US" smtClean="0"/>
-              <a:t>4/1/2024</a:t>
+              <a:t>4/2/2024</a:t>
             </a:fld>
             <a:endParaRPr lang="en-US"/>
           </a:p>
@@ -2245,7 +5282,7 @@
           <a:p>
             <a:fld id="{3C2B07E4-CDF9-4C88-A2F3-04620E58224D}" type="datetimeFigureOut">
               <a:rPr lang="en-US" smtClean="0"/>
-              <a:t>4/1/2024</a:t>
+              <a:t>4/2/2024</a:t>
             </a:fld>
             <a:endParaRPr lang="en-US"/>
           </a:p>
@@ -2573,7 +5610,7 @@
           <a:p>
             <a:fld id="{3C2B07E4-CDF9-4C88-A2F3-04620E58224D}" type="datetimeFigureOut">
               <a:rPr lang="en-US" smtClean="0"/>
-              <a:t>4/1/2024</a:t>
+              <a:t>4/2/2024</a:t>
             </a:fld>
             <a:endParaRPr lang="en-US"/>
           </a:p>
@@ -2686,7 +5723,7 @@
           <a:p>
             <a:fld id="{3C2B07E4-CDF9-4C88-A2F3-04620E58224D}" type="datetimeFigureOut">
               <a:rPr lang="en-US" smtClean="0"/>
-              <a:t>4/1/2024</a:t>
+              <a:t>4/2/2024</a:t>
             </a:fld>
             <a:endParaRPr lang="en-US"/>
           </a:p>
@@ -3027,7 +6064,7 @@
           <a:p>
             <a:fld id="{3C2B07E4-CDF9-4C88-A2F3-04620E58224D}" type="datetimeFigureOut">
               <a:rPr lang="en-US" smtClean="0"/>
-              <a:t>4/1/2024</a:t>
+              <a:t>4/2/2024</a:t>
             </a:fld>
             <a:endParaRPr lang="en-US"/>
           </a:p>
@@ -3327,7 +6364,7 @@
           <a:p>
             <a:fld id="{3C2B07E4-CDF9-4C88-A2F3-04620E58224D}" type="datetimeFigureOut">
               <a:rPr lang="en-US" smtClean="0"/>
-              <a:t>4/1/2024</a:t>
+              <a:t>4/2/2024</a:t>
             </a:fld>
             <a:endParaRPr lang="en-US"/>
           </a:p>
@@ -3567,7 +6604,7 @@
             <a:fld id="{3C2B07E4-CDF9-4C88-A2F3-04620E58224D}" type="datetimeFigureOut">
               <a:rPr lang="en-US" smtClean="0"/>
               <a:pPr/>
-              <a:t>4/1/2024</a:t>
+              <a:t>4/2/2024</a:t>
             </a:fld>
             <a:endParaRPr lang="en-US" dirty="0"/>
           </a:p>
@@ -4096,7 +7133,7 @@
         </p:blipFill>
         <p:spPr>
           <a:xfrm>
-            <a:off x="20" y="1571"/>
+            <a:off x="0" y="1571"/>
             <a:ext cx="12191980" cy="6856429"/>
           </a:xfrm>
           <a:prstGeom prst="rect">
@@ -4464,7 +7501,7 @@
         </p:nvSpPr>
         <p:spPr>
           <a:xfrm>
-            <a:off x="5334000" y="762000"/>
+            <a:off x="5334000" y="765412"/>
             <a:ext cx="5334000" cy="5327175"/>
           </a:xfrm>
         </p:spPr>
@@ -4547,6 +7584,12 @@
             <a:r>
               <a:rPr lang="en-US" dirty="0"/>
               <a:t>?</a:t>
+            </a:r>
+          </a:p>
+          <a:p>
+            <a:r>
+              <a:rPr lang="en-US" dirty="0"/>
+              <a:t>Demo</a:t>
             </a:r>
           </a:p>
           <a:p>
@@ -5364,7 +8407,7 @@
           <a:p>
             <a:r>
               <a:rPr lang="en-US" dirty="0"/>
-              <a:t>Database / </a:t>
+              <a:t>Database / File Server / </a:t>
             </a:r>
             <a:r>
               <a:rPr lang="en-US" dirty="0" err="1"/>
@@ -5373,6 +8416,38 @@
             <a:r>
               <a:rPr lang="en-US" dirty="0"/>
               <a:t> / Blockchain</a:t>
+            </a:r>
+          </a:p>
+          <a:p>
+            <a:r>
+              <a:rPr lang="nl-NL" dirty="0"/>
+              <a:t>Gegevens-integriteit, onveranderlijkheid en transparantie</a:t>
+            </a:r>
+          </a:p>
+          <a:p>
+            <a:r>
+              <a:rPr lang="nl-NL" dirty="0"/>
+              <a:t>Zelfgeschreven </a:t>
+            </a:r>
+            <a:r>
+              <a:rPr lang="nl-NL" dirty="0" err="1"/>
+              <a:t>prive</a:t>
+            </a:r>
+            <a:r>
+              <a:rPr lang="nl-NL" dirty="0"/>
+              <a:t>-netwerk</a:t>
+            </a:r>
+          </a:p>
+          <a:p>
+            <a:r>
+              <a:rPr lang="nl-NL" dirty="0"/>
+              <a:t>Bestandsdata in een block</a:t>
+            </a:r>
+          </a:p>
+          <a:p>
+            <a:r>
+              <a:rPr lang="nl-NL" dirty="0"/>
+              <a:t>Consensus</a:t>
             </a:r>
           </a:p>
         </p:txBody>
@@ -5392,7 +8467,7 @@
           <p:nvPr/>
         </p:nvPicPr>
         <p:blipFill rotWithShape="1">
-          <a:blip r:embed="rId2">
+          <a:blip r:embed="rId3">
             <a:extLst>
               <a:ext uri="{28A0092B-C50C-407E-A947-70E740481C1C}">
                 <a14:useLocalDpi xmlns:a14="http://schemas.microsoft.com/office/drawing/2010/main" val="0"/>
@@ -5404,7 +8479,7 @@
         </p:blipFill>
         <p:spPr>
           <a:xfrm>
-            <a:off x="690323" y="4932890"/>
+            <a:off x="690323" y="4672932"/>
             <a:ext cx="10475309" cy="1560227"/>
           </a:xfrm>
           <a:prstGeom prst="rect">
@@ -5416,6 +8491,810 @@
     <p:extLst>
       <p:ext uri="{BB962C8B-B14F-4D97-AF65-F5344CB8AC3E}">
         <p14:creationId xmlns:p14="http://schemas.microsoft.com/office/powerpoint/2010/main" val="497491239"/>
+      </p:ext>
+    </p:extLst>
+  </p:cSld>
+  <p:clrMapOvr>
+    <a:overrideClrMapping bg1="lt1" tx1="dk1" bg2="lt2" tx2="dk2" accent1="accent1" accent2="accent2" accent3="accent3" accent4="accent4" accent5="accent5" accent6="accent6" hlink="hlink" folHlink="folHlink"/>
+  </p:clrMapOvr>
+</p:sld>
+</file>
+
+<file path=ppt/slides/slide6.xml><?xml version="1.0" encoding="utf-8"?>
+<p:sld xmlns:a="http://schemas.openxmlformats.org/drawingml/2006/main" xmlns:r="http://schemas.openxmlformats.org/officeDocument/2006/relationships" xmlns:p="http://schemas.openxmlformats.org/presentationml/2006/main">
+  <p:cSld>
+    <p:bg>
+      <p:bgPr>
+        <a:solidFill>
+          <a:schemeClr val="bg1"/>
+        </a:solidFill>
+        <a:effectLst/>
+      </p:bgPr>
+    </p:bg>
+    <p:spTree>
+      <p:nvGrpSpPr>
+        <p:cNvPr id="1" name=""/>
+        <p:cNvGrpSpPr/>
+        <p:nvPr/>
+      </p:nvGrpSpPr>
+      <p:grpSpPr>
+        <a:xfrm>
+          <a:off x="0" y="0"/>
+          <a:ext cx="0" cy="0"/>
+          <a:chOff x="0" y="0"/>
+          <a:chExt cx="0" cy="0"/>
+        </a:xfrm>
+      </p:grpSpPr>
+      <p:sp useBgFill="1">
+        <p:nvSpPr>
+          <p:cNvPr id="15" name="Rectangle 14">
+            <a:extLst>
+              <a:ext uri="{FF2B5EF4-FFF2-40B4-BE49-F238E27FC236}">
+                <a16:creationId xmlns:a16="http://schemas.microsoft.com/office/drawing/2014/main" id="{D7DD8518-4289-43CE-9E36-8E7E0D7DDF70}"/>
+              </a:ext>
+              <a:ext uri="{C183D7F6-B498-43B3-948B-1728B52AA6E4}">
+                <adec:decorative xmlns:adec="http://schemas.microsoft.com/office/drawing/2017/decorative" val="1"/>
+              </a:ext>
+            </a:extLst>
+          </p:cNvPr>
+          <p:cNvSpPr>
+            <a:spLocks noGrp="1" noRot="1" noChangeAspect="1" noMove="1" noResize="1" noEditPoints="1" noAdjustHandles="1" noChangeArrowheads="1" noChangeShapeType="1" noTextEdit="1"/>
+          </p:cNvSpPr>
+          <p:nvPr>
+            <p:extLst>
+              <p:ext uri="{386F3935-93C4-4BCD-93E2-E3B085C9AB24}">
+                <p16:designElem xmlns:p16="http://schemas.microsoft.com/office/powerpoint/2015/main" val="1"/>
+              </p:ext>
+            </p:extLst>
+          </p:nvPr>
+        </p:nvSpPr>
+        <p:spPr>
+          <a:xfrm>
+            <a:off x="0" y="0"/>
+            <a:ext cx="12192000" cy="6858000"/>
+          </a:xfrm>
+          <a:prstGeom prst="rect">
+            <a:avLst/>
+          </a:prstGeom>
+          <a:ln w="12700" cap="flat" cmpd="sng" algn="ctr">
+            <a:noFill/>
+            <a:prstDash val="solid"/>
+            <a:miter lim="800000"/>
+          </a:ln>
+          <a:effectLst/>
+        </p:spPr>
+        <p:style>
+          <a:lnRef idx="2">
+            <a:schemeClr val="accent1">
+              <a:shade val="50000"/>
+            </a:schemeClr>
+          </a:lnRef>
+          <a:fillRef idx="1">
+            <a:schemeClr val="accent1"/>
+          </a:fillRef>
+          <a:effectRef idx="0">
+            <a:schemeClr val="accent1"/>
+          </a:effectRef>
+          <a:fontRef idx="minor">
+            <a:schemeClr val="lt1"/>
+          </a:fontRef>
+        </p:style>
+        <p:txBody>
+          <a:bodyPr rtlCol="0" anchor="ctr"/>
+          <a:lstStyle/>
+          <a:p>
+            <a:pPr algn="ctr"/>
+            <a:endParaRPr lang="en-US"/>
+          </a:p>
+        </p:txBody>
+      </p:sp>
+      <p:sp>
+        <p:nvSpPr>
+          <p:cNvPr id="2" name="Title 1">
+            <a:extLst>
+              <a:ext uri="{FF2B5EF4-FFF2-40B4-BE49-F238E27FC236}">
+                <a16:creationId xmlns:a16="http://schemas.microsoft.com/office/drawing/2014/main" id="{807FBD87-1C7A-A13E-B5F7-BFAFF14050C2}"/>
+              </a:ext>
+            </a:extLst>
+          </p:cNvPr>
+          <p:cNvSpPr>
+            <a:spLocks noGrp="1"/>
+          </p:cNvSpPr>
+          <p:nvPr>
+            <p:ph type="title"/>
+          </p:nvPr>
+        </p:nvSpPr>
+        <p:spPr>
+          <a:xfrm>
+            <a:off x="1111117" y="1144996"/>
+            <a:ext cx="8236456" cy="1141004"/>
+          </a:xfrm>
+        </p:spPr>
+        <p:txBody>
+          <a:bodyPr>
+            <a:normAutofit/>
+          </a:bodyPr>
+          <a:lstStyle/>
+          <a:p>
+            <a:pPr>
+              <a:lnSpc>
+                <a:spcPct val="110000"/>
+              </a:lnSpc>
+            </a:pPr>
+            <a:r>
+              <a:rPr lang="en-US" sz="2000" dirty="0"/>
+              <a:t>Hoe </a:t>
+            </a:r>
+            <a:r>
+              <a:rPr lang="en-US" sz="2000" dirty="0" err="1"/>
+              <a:t>beheren</a:t>
+            </a:r>
+            <a:r>
+              <a:rPr lang="en-US" sz="2000" dirty="0"/>
+              <a:t> we de IHM?</a:t>
+            </a:r>
+            <a:br>
+              <a:rPr lang="en-US" sz="2000" dirty="0"/>
+            </a:br>
+            <a:br>
+              <a:rPr lang="en-US" sz="2000" dirty="0"/>
+            </a:br>
+            <a:endParaRPr lang="en-NL" sz="2000" dirty="0"/>
+          </a:p>
+        </p:txBody>
+      </p:sp>
+      <p:pic>
+        <p:nvPicPr>
+          <p:cNvPr id="1026" name="Picture 2">
+            <a:extLst>
+              <a:ext uri="{FF2B5EF4-FFF2-40B4-BE49-F238E27FC236}">
+                <a16:creationId xmlns:a16="http://schemas.microsoft.com/office/drawing/2014/main" id="{76D0C23F-EF9C-4B4D-AA54-35490EB9D5E3}"/>
+              </a:ext>
+            </a:extLst>
+          </p:cNvPr>
+          <p:cNvPicPr>
+            <a:picLocks noGrp="1" noChangeAspect="1" noChangeArrowheads="1"/>
+          </p:cNvPicPr>
+          <p:nvPr>
+            <p:ph idx="1"/>
+          </p:nvPr>
+        </p:nvPicPr>
+        <p:blipFill>
+          <a:blip r:embed="rId3">
+            <a:extLst>
+              <a:ext uri="{28A0092B-C50C-407E-A947-70E740481C1C}">
+                <a14:useLocalDpi xmlns:a14="http://schemas.microsoft.com/office/drawing/2010/main" val="0"/>
+              </a:ext>
+            </a:extLst>
+          </a:blip>
+          <a:srcRect/>
+          <a:stretch>
+            <a:fillRect/>
+          </a:stretch>
+        </p:blipFill>
+        <p:spPr bwMode="auto">
+          <a:xfrm>
+            <a:off x="886986" y="1955029"/>
+            <a:ext cx="5363323" cy="2695951"/>
+          </a:xfrm>
+          <a:prstGeom prst="rect">
+            <a:avLst/>
+          </a:prstGeom>
+          <a:noFill/>
+          <a:extLst>
+            <a:ext uri="{909E8E84-426E-40DD-AFC4-6F175D3DCCD1}">
+              <a14:hiddenFill xmlns:a14="http://schemas.microsoft.com/office/drawing/2010/main">
+                <a:solidFill>
+                  <a:srgbClr val="FFFFFF"/>
+                </a:solidFill>
+              </a14:hiddenFill>
+            </a:ext>
+          </a:extLst>
+        </p:spPr>
+      </p:pic>
+      <p:pic>
+        <p:nvPicPr>
+          <p:cNvPr id="6" name="Picture 5" descr="A screenshot of a computer&#10;&#10;Description automatically generated">
+            <a:extLst>
+              <a:ext uri="{FF2B5EF4-FFF2-40B4-BE49-F238E27FC236}">
+                <a16:creationId xmlns:a16="http://schemas.microsoft.com/office/drawing/2014/main" id="{E2528CB9-15A2-3DA4-4169-E888076C04FD}"/>
+              </a:ext>
+            </a:extLst>
+          </p:cNvPr>
+          <p:cNvPicPr>
+            <a:picLocks noChangeAspect="1"/>
+          </p:cNvPicPr>
+          <p:nvPr/>
+        </p:nvPicPr>
+        <p:blipFill rotWithShape="1">
+          <a:blip r:embed="rId4">
+            <a:extLst>
+              <a:ext uri="{28A0092B-C50C-407E-A947-70E740481C1C}">
+                <a14:useLocalDpi xmlns:a14="http://schemas.microsoft.com/office/drawing/2010/main" val="0"/>
+              </a:ext>
+            </a:extLst>
+          </a:blip>
+          <a:srcRect l="36671" t="13334" r="1441" b="50000"/>
+          <a:stretch/>
+        </p:blipFill>
+        <p:spPr>
+          <a:xfrm>
+            <a:off x="4789005" y="4388589"/>
+            <a:ext cx="6915894" cy="2307629"/>
+          </a:xfrm>
+          <a:prstGeom prst="rect">
+            <a:avLst/>
+          </a:prstGeom>
+        </p:spPr>
+      </p:pic>
+    </p:spTree>
+    <p:extLst>
+      <p:ext uri="{BB962C8B-B14F-4D97-AF65-F5344CB8AC3E}">
+        <p14:creationId xmlns:p14="http://schemas.microsoft.com/office/powerpoint/2010/main" val="1887288944"/>
+      </p:ext>
+    </p:extLst>
+  </p:cSld>
+  <p:clrMapOvr>
+    <a:overrideClrMapping bg1="lt1" tx1="dk1" bg2="lt2" tx2="dk2" accent1="accent1" accent2="accent2" accent3="accent3" accent4="accent4" accent5="accent5" accent6="accent6" hlink="hlink" folHlink="folHlink"/>
+  </p:clrMapOvr>
+</p:sld>
+</file>
+
+<file path=ppt/slides/slide7.xml><?xml version="1.0" encoding="utf-8"?>
+<p:sld xmlns:a="http://schemas.openxmlformats.org/drawingml/2006/main" xmlns:r="http://schemas.openxmlformats.org/officeDocument/2006/relationships" xmlns:p="http://schemas.openxmlformats.org/presentationml/2006/main">
+  <p:cSld>
+    <p:bg>
+      <p:bgPr>
+        <a:solidFill>
+          <a:schemeClr val="bg1"/>
+        </a:solidFill>
+        <a:effectLst/>
+      </p:bgPr>
+    </p:bg>
+    <p:spTree>
+      <p:nvGrpSpPr>
+        <p:cNvPr id="1" name=""/>
+        <p:cNvGrpSpPr/>
+        <p:nvPr/>
+      </p:nvGrpSpPr>
+      <p:grpSpPr>
+        <a:xfrm>
+          <a:off x="0" y="0"/>
+          <a:ext cx="0" cy="0"/>
+          <a:chOff x="0" y="0"/>
+          <a:chExt cx="0" cy="0"/>
+        </a:xfrm>
+      </p:grpSpPr>
+      <p:sp useBgFill="1">
+        <p:nvSpPr>
+          <p:cNvPr id="15" name="Rectangle 14">
+            <a:extLst>
+              <a:ext uri="{FF2B5EF4-FFF2-40B4-BE49-F238E27FC236}">
+                <a16:creationId xmlns:a16="http://schemas.microsoft.com/office/drawing/2014/main" id="{D7DD8518-4289-43CE-9E36-8E7E0D7DDF70}"/>
+              </a:ext>
+              <a:ext uri="{C183D7F6-B498-43B3-948B-1728B52AA6E4}">
+                <adec:decorative xmlns:adec="http://schemas.microsoft.com/office/drawing/2017/decorative" val="1"/>
+              </a:ext>
+            </a:extLst>
+          </p:cNvPr>
+          <p:cNvSpPr>
+            <a:spLocks noGrp="1" noRot="1" noChangeAspect="1" noMove="1" noResize="1" noEditPoints="1" noAdjustHandles="1" noChangeArrowheads="1" noChangeShapeType="1" noTextEdit="1"/>
+          </p:cNvSpPr>
+          <p:nvPr>
+            <p:extLst>
+              <p:ext uri="{386F3935-93C4-4BCD-93E2-E3B085C9AB24}">
+                <p16:designElem xmlns:p16="http://schemas.microsoft.com/office/powerpoint/2015/main" val="1"/>
+              </p:ext>
+            </p:extLst>
+          </p:nvPr>
+        </p:nvSpPr>
+        <p:spPr>
+          <a:xfrm>
+            <a:off x="0" y="0"/>
+            <a:ext cx="12192000" cy="6858000"/>
+          </a:xfrm>
+          <a:prstGeom prst="rect">
+            <a:avLst/>
+          </a:prstGeom>
+          <a:ln w="12700" cap="flat" cmpd="sng" algn="ctr">
+            <a:noFill/>
+            <a:prstDash val="solid"/>
+            <a:miter lim="800000"/>
+          </a:ln>
+          <a:effectLst/>
+        </p:spPr>
+        <p:style>
+          <a:lnRef idx="2">
+            <a:schemeClr val="accent1">
+              <a:shade val="50000"/>
+            </a:schemeClr>
+          </a:lnRef>
+          <a:fillRef idx="1">
+            <a:schemeClr val="accent1"/>
+          </a:fillRef>
+          <a:effectRef idx="0">
+            <a:schemeClr val="accent1"/>
+          </a:effectRef>
+          <a:fontRef idx="minor">
+            <a:schemeClr val="lt1"/>
+          </a:fontRef>
+        </p:style>
+        <p:txBody>
+          <a:bodyPr rtlCol="0" anchor="ctr"/>
+          <a:lstStyle/>
+          <a:p>
+            <a:pPr algn="ctr"/>
+            <a:endParaRPr lang="en-US"/>
+          </a:p>
+        </p:txBody>
+      </p:sp>
+      <p:sp>
+        <p:nvSpPr>
+          <p:cNvPr id="2" name="Title 1">
+            <a:extLst>
+              <a:ext uri="{FF2B5EF4-FFF2-40B4-BE49-F238E27FC236}">
+                <a16:creationId xmlns:a16="http://schemas.microsoft.com/office/drawing/2014/main" id="{807FBD87-1C7A-A13E-B5F7-BFAFF14050C2}"/>
+              </a:ext>
+            </a:extLst>
+          </p:cNvPr>
+          <p:cNvSpPr>
+            <a:spLocks noGrp="1"/>
+          </p:cNvSpPr>
+          <p:nvPr>
+            <p:ph type="title"/>
+          </p:nvPr>
+        </p:nvSpPr>
+        <p:spPr>
+          <a:xfrm>
+            <a:off x="1111117" y="1144996"/>
+            <a:ext cx="8236456" cy="1141004"/>
+          </a:xfrm>
+        </p:spPr>
+        <p:txBody>
+          <a:bodyPr>
+            <a:normAutofit/>
+          </a:bodyPr>
+          <a:lstStyle/>
+          <a:p>
+            <a:pPr>
+              <a:lnSpc>
+                <a:spcPct val="110000"/>
+              </a:lnSpc>
+            </a:pPr>
+            <a:r>
+              <a:rPr lang="en-US" sz="2000" dirty="0"/>
+              <a:t>Hoe </a:t>
+            </a:r>
+            <a:r>
+              <a:rPr lang="en-US" sz="2000" dirty="0" err="1"/>
+              <a:t>koppelen</a:t>
+            </a:r>
+            <a:r>
+              <a:rPr lang="en-US" sz="2000" dirty="0"/>
+              <a:t> we de IHM </a:t>
+            </a:r>
+            <a:r>
+              <a:rPr lang="en-US" sz="2000" dirty="0" err="1"/>
+              <a:t>aan</a:t>
+            </a:r>
+            <a:r>
+              <a:rPr lang="en-US" sz="2000" dirty="0"/>
+              <a:t> </a:t>
+            </a:r>
+            <a:r>
+              <a:rPr lang="en-US" sz="2000" dirty="0" err="1"/>
+              <a:t>een</a:t>
+            </a:r>
+            <a:r>
+              <a:rPr lang="en-US" sz="2000" dirty="0"/>
+              <a:t> </a:t>
+            </a:r>
+            <a:r>
+              <a:rPr lang="en-US" sz="2000" dirty="0" err="1"/>
+              <a:t>schip</a:t>
+            </a:r>
+            <a:r>
+              <a:rPr lang="en-US" sz="2000" dirty="0"/>
+              <a:t>?</a:t>
+            </a:r>
+            <a:br>
+              <a:rPr lang="en-US" sz="2000" dirty="0"/>
+            </a:br>
+            <a:br>
+              <a:rPr lang="en-US" sz="2000" dirty="0"/>
+            </a:br>
+            <a:endParaRPr lang="en-NL" sz="2000" dirty="0"/>
+          </a:p>
+        </p:txBody>
+      </p:sp>
+      <p:sp>
+        <p:nvSpPr>
+          <p:cNvPr id="3" name="Content Placeholder 2">
+            <a:extLst>
+              <a:ext uri="{FF2B5EF4-FFF2-40B4-BE49-F238E27FC236}">
+                <a16:creationId xmlns:a16="http://schemas.microsoft.com/office/drawing/2014/main" id="{70FAE11B-DF89-8BBD-8C5A-02FD846B1B73}"/>
+              </a:ext>
+            </a:extLst>
+          </p:cNvPr>
+          <p:cNvSpPr>
+            <a:spLocks noGrp="1"/>
+          </p:cNvSpPr>
+          <p:nvPr>
+            <p:ph idx="1"/>
+          </p:nvPr>
+        </p:nvSpPr>
+        <p:spPr>
+          <a:xfrm>
+            <a:off x="598637" y="2286000"/>
+            <a:ext cx="9540628" cy="3809999"/>
+          </a:xfrm>
+        </p:spPr>
+        <p:txBody>
+          <a:bodyPr>
+            <a:normAutofit/>
+          </a:bodyPr>
+          <a:lstStyle/>
+          <a:p>
+            <a:r>
+              <a:rPr lang="en-US" dirty="0" err="1"/>
+              <a:t>Toegang</a:t>
+            </a:r>
+            <a:r>
+              <a:rPr lang="en-US" dirty="0"/>
+              <a:t> tot module? (NFC, Bluetooth, </a:t>
+            </a:r>
+            <a:r>
+              <a:rPr lang="en-US" dirty="0" err="1"/>
+              <a:t>Biometrisch</a:t>
+            </a:r>
+            <a:r>
+              <a:rPr lang="en-US" dirty="0"/>
+              <a:t>, Token)</a:t>
+            </a:r>
+          </a:p>
+          <a:p>
+            <a:r>
+              <a:rPr lang="en-US" dirty="0"/>
+              <a:t>Hoe </a:t>
+            </a:r>
+            <a:r>
+              <a:rPr lang="en-US" dirty="0" err="1"/>
+              <a:t>maakt</a:t>
+            </a:r>
+            <a:r>
+              <a:rPr lang="en-US" dirty="0"/>
+              <a:t> de module </a:t>
+            </a:r>
+            <a:r>
+              <a:rPr lang="en-US" dirty="0" err="1"/>
+              <a:t>verbinding</a:t>
+            </a:r>
+            <a:r>
+              <a:rPr lang="en-US" dirty="0"/>
+              <a:t> met de server?</a:t>
+            </a:r>
+            <a:br>
+              <a:rPr lang="en-US" dirty="0"/>
+            </a:br>
+            <a:r>
+              <a:rPr lang="en-US" dirty="0"/>
+              <a:t>- </a:t>
+            </a:r>
+            <a:r>
+              <a:rPr lang="en-US" dirty="0" err="1"/>
+              <a:t>Satelliet</a:t>
+            </a:r>
+            <a:br>
+              <a:rPr lang="en-US" dirty="0"/>
+            </a:br>
+            <a:r>
+              <a:rPr lang="en-US" dirty="0"/>
+              <a:t>- </a:t>
+            </a:r>
+            <a:r>
+              <a:rPr lang="en-US" dirty="0" err="1"/>
+              <a:t>Mobiele</a:t>
+            </a:r>
+            <a:r>
+              <a:rPr lang="en-US" dirty="0"/>
+              <a:t> </a:t>
+            </a:r>
+            <a:r>
+              <a:rPr lang="en-US" dirty="0" err="1"/>
+              <a:t>datanetwerken</a:t>
+            </a:r>
+            <a:br>
+              <a:rPr lang="en-US" dirty="0"/>
+            </a:br>
+            <a:r>
+              <a:rPr lang="en-US" dirty="0"/>
+              <a:t>- LoRa (</a:t>
+            </a:r>
+            <a:r>
+              <a:rPr lang="en-US" dirty="0" err="1"/>
+              <a:t>LoRaWAN</a:t>
+            </a:r>
+            <a:r>
+              <a:rPr lang="en-US" dirty="0"/>
+              <a:t>)</a:t>
+            </a:r>
+          </a:p>
+          <a:p>
+            <a:r>
+              <a:rPr lang="en-US" dirty="0"/>
+              <a:t>Microcontroller met LoRa </a:t>
+            </a:r>
+            <a:r>
+              <a:rPr lang="en-US" dirty="0" err="1"/>
+              <a:t>en</a:t>
+            </a:r>
+            <a:r>
+              <a:rPr lang="en-US" dirty="0"/>
+              <a:t> Bluetooth </a:t>
+            </a:r>
+            <a:r>
+              <a:rPr lang="en-US" dirty="0" err="1"/>
+              <a:t>ondersteuning</a:t>
+            </a:r>
+            <a:r>
+              <a:rPr lang="en-US" dirty="0"/>
+              <a:t>?</a:t>
+            </a:r>
+          </a:p>
+          <a:p>
+            <a:r>
+              <a:rPr lang="en-US" dirty="0"/>
+              <a:t>The Things Network + </a:t>
+            </a:r>
+            <a:r>
+              <a:rPr lang="en-US" dirty="0" err="1"/>
+              <a:t>LoraWAN</a:t>
+            </a:r>
+            <a:endParaRPr lang="en-US" dirty="0"/>
+          </a:p>
+          <a:p>
+            <a:endParaRPr lang="en-US" dirty="0"/>
+          </a:p>
+        </p:txBody>
+      </p:sp>
+      <p:pic>
+        <p:nvPicPr>
+          <p:cNvPr id="2050" name="Picture 2">
+            <a:extLst>
+              <a:ext uri="{FF2B5EF4-FFF2-40B4-BE49-F238E27FC236}">
+                <a16:creationId xmlns:a16="http://schemas.microsoft.com/office/drawing/2014/main" id="{C0565823-D3C3-8E72-342E-E83929192EED}"/>
+              </a:ext>
+            </a:extLst>
+          </p:cNvPr>
+          <p:cNvPicPr>
+            <a:picLocks noChangeAspect="1" noChangeArrowheads="1"/>
+          </p:cNvPicPr>
+          <p:nvPr/>
+        </p:nvPicPr>
+        <p:blipFill>
+          <a:blip r:embed="rId3">
+            <a:extLst>
+              <a:ext uri="{28A0092B-C50C-407E-A947-70E740481C1C}">
+                <a14:useLocalDpi xmlns:a14="http://schemas.microsoft.com/office/drawing/2010/main" val="0"/>
+              </a:ext>
+            </a:extLst>
+          </a:blip>
+          <a:srcRect/>
+          <a:stretch>
+            <a:fillRect/>
+          </a:stretch>
+        </p:blipFill>
+        <p:spPr bwMode="auto">
+          <a:xfrm>
+            <a:off x="7193280" y="2909197"/>
+            <a:ext cx="3948803" cy="3948803"/>
+          </a:xfrm>
+          <a:prstGeom prst="rect">
+            <a:avLst/>
+          </a:prstGeom>
+          <a:noFill/>
+          <a:extLst>
+            <a:ext uri="{909E8E84-426E-40DD-AFC4-6F175D3DCCD1}">
+              <a14:hiddenFill xmlns:a14="http://schemas.microsoft.com/office/drawing/2010/main">
+                <a:solidFill>
+                  <a:srgbClr val="FFFFFF"/>
+                </a:solidFill>
+              </a14:hiddenFill>
+            </a:ext>
+          </a:extLst>
+        </p:spPr>
+      </p:pic>
+    </p:spTree>
+    <p:extLst>
+      <p:ext uri="{BB962C8B-B14F-4D97-AF65-F5344CB8AC3E}">
+        <p14:creationId xmlns:p14="http://schemas.microsoft.com/office/powerpoint/2010/main" val="4040430274"/>
+      </p:ext>
+    </p:extLst>
+  </p:cSld>
+  <p:clrMapOvr>
+    <a:overrideClrMapping bg1="lt1" tx1="dk1" bg2="lt2" tx2="dk2" accent1="accent1" accent2="accent2" accent3="accent3" accent4="accent4" accent5="accent5" accent6="accent6" hlink="hlink" folHlink="folHlink"/>
+  </p:clrMapOvr>
+</p:sld>
+</file>
+
+<file path=ppt/slides/slide8.xml><?xml version="1.0" encoding="utf-8"?>
+<p:sld xmlns:a="http://schemas.openxmlformats.org/drawingml/2006/main" xmlns:r="http://schemas.openxmlformats.org/officeDocument/2006/relationships" xmlns:p="http://schemas.openxmlformats.org/presentationml/2006/main">
+  <p:cSld>
+    <p:bg>
+      <p:bgPr>
+        <a:solidFill>
+          <a:schemeClr val="bg1"/>
+        </a:solidFill>
+        <a:effectLst/>
+      </p:bgPr>
+    </p:bg>
+    <p:spTree>
+      <p:nvGrpSpPr>
+        <p:cNvPr id="1" name=""/>
+        <p:cNvGrpSpPr/>
+        <p:nvPr/>
+      </p:nvGrpSpPr>
+      <p:grpSpPr>
+        <a:xfrm>
+          <a:off x="0" y="0"/>
+          <a:ext cx="0" cy="0"/>
+          <a:chOff x="0" y="0"/>
+          <a:chExt cx="0" cy="0"/>
+        </a:xfrm>
+      </p:grpSpPr>
+      <p:sp useBgFill="1">
+        <p:nvSpPr>
+          <p:cNvPr id="15" name="Rectangle 14">
+            <a:extLst>
+              <a:ext uri="{FF2B5EF4-FFF2-40B4-BE49-F238E27FC236}">
+                <a16:creationId xmlns:a16="http://schemas.microsoft.com/office/drawing/2014/main" id="{D7DD8518-4289-43CE-9E36-8E7E0D7DDF70}"/>
+              </a:ext>
+              <a:ext uri="{C183D7F6-B498-43B3-948B-1728B52AA6E4}">
+                <adec:decorative xmlns:adec="http://schemas.microsoft.com/office/drawing/2017/decorative" val="1"/>
+              </a:ext>
+            </a:extLst>
+          </p:cNvPr>
+          <p:cNvSpPr>
+            <a:spLocks noGrp="1" noRot="1" noChangeAspect="1" noMove="1" noResize="1" noEditPoints="1" noAdjustHandles="1" noChangeArrowheads="1" noChangeShapeType="1" noTextEdit="1"/>
+          </p:cNvSpPr>
+          <p:nvPr>
+            <p:extLst>
+              <p:ext uri="{386F3935-93C4-4BCD-93E2-E3B085C9AB24}">
+                <p16:designElem xmlns:p16="http://schemas.microsoft.com/office/powerpoint/2015/main" val="1"/>
+              </p:ext>
+            </p:extLst>
+          </p:nvPr>
+        </p:nvSpPr>
+        <p:spPr>
+          <a:xfrm>
+            <a:off x="0" y="0"/>
+            <a:ext cx="12192000" cy="6858000"/>
+          </a:xfrm>
+          <a:prstGeom prst="rect">
+            <a:avLst/>
+          </a:prstGeom>
+          <a:ln w="12700" cap="flat" cmpd="sng" algn="ctr">
+            <a:noFill/>
+            <a:prstDash val="solid"/>
+            <a:miter lim="800000"/>
+          </a:ln>
+          <a:effectLst/>
+        </p:spPr>
+        <p:style>
+          <a:lnRef idx="2">
+            <a:schemeClr val="accent1">
+              <a:shade val="50000"/>
+            </a:schemeClr>
+          </a:lnRef>
+          <a:fillRef idx="1">
+            <a:schemeClr val="accent1"/>
+          </a:fillRef>
+          <a:effectRef idx="0">
+            <a:schemeClr val="accent1"/>
+          </a:effectRef>
+          <a:fontRef idx="minor">
+            <a:schemeClr val="lt1"/>
+          </a:fontRef>
+        </p:style>
+        <p:txBody>
+          <a:bodyPr rtlCol="0" anchor="ctr"/>
+          <a:lstStyle/>
+          <a:p>
+            <a:pPr algn="ctr"/>
+            <a:endParaRPr lang="en-US"/>
+          </a:p>
+        </p:txBody>
+      </p:sp>
+      <p:sp>
+        <p:nvSpPr>
+          <p:cNvPr id="2" name="Title 1">
+            <a:extLst>
+              <a:ext uri="{FF2B5EF4-FFF2-40B4-BE49-F238E27FC236}">
+                <a16:creationId xmlns:a16="http://schemas.microsoft.com/office/drawing/2014/main" id="{807FBD87-1C7A-A13E-B5F7-BFAFF14050C2}"/>
+              </a:ext>
+            </a:extLst>
+          </p:cNvPr>
+          <p:cNvSpPr>
+            <a:spLocks noGrp="1"/>
+          </p:cNvSpPr>
+          <p:nvPr>
+            <p:ph type="title"/>
+          </p:nvPr>
+        </p:nvSpPr>
+        <p:spPr>
+          <a:xfrm>
+            <a:off x="1111117" y="1144996"/>
+            <a:ext cx="8236456" cy="1141004"/>
+          </a:xfrm>
+        </p:spPr>
+        <p:txBody>
+          <a:bodyPr>
+            <a:normAutofit/>
+          </a:bodyPr>
+          <a:lstStyle/>
+          <a:p>
+            <a:pPr>
+              <a:lnSpc>
+                <a:spcPct val="110000"/>
+              </a:lnSpc>
+            </a:pPr>
+            <a:r>
+              <a:rPr lang="en-US" sz="2000" dirty="0" err="1"/>
+              <a:t>Demonstratie</a:t>
+            </a:r>
+            <a:r>
+              <a:rPr lang="en-US" sz="2000" dirty="0"/>
+              <a:t> blockchain</a:t>
+            </a:r>
+            <a:br>
+              <a:rPr lang="en-US" sz="2000" dirty="0"/>
+            </a:br>
+            <a:br>
+              <a:rPr lang="en-US" sz="2000" dirty="0"/>
+            </a:br>
+            <a:endParaRPr lang="en-NL" sz="2000" dirty="0"/>
+          </a:p>
+        </p:txBody>
+      </p:sp>
+      <p:pic>
+        <p:nvPicPr>
+          <p:cNvPr id="5" name="Content Placeholder 4" descr="A screenshot of a computer&#10;&#10;Description automatically generated">
+            <a:extLst>
+              <a:ext uri="{FF2B5EF4-FFF2-40B4-BE49-F238E27FC236}">
+                <a16:creationId xmlns:a16="http://schemas.microsoft.com/office/drawing/2014/main" id="{A9A5DF1C-9F05-08B6-1010-35E37EE3C316}"/>
+              </a:ext>
+            </a:extLst>
+          </p:cNvPr>
+          <p:cNvPicPr>
+            <a:picLocks noGrp="1" noChangeAspect="1"/>
+          </p:cNvPicPr>
+          <p:nvPr>
+            <p:ph idx="1"/>
+          </p:nvPr>
+        </p:nvPicPr>
+        <p:blipFill>
+          <a:blip r:embed="rId3">
+            <a:extLst>
+              <a:ext uri="{28A0092B-C50C-407E-A947-70E740481C1C}">
+                <a14:useLocalDpi xmlns:a14="http://schemas.microsoft.com/office/drawing/2010/main" val="0"/>
+              </a:ext>
+            </a:extLst>
+          </a:blip>
+          <a:stretch>
+            <a:fillRect/>
+          </a:stretch>
+        </p:blipFill>
+        <p:spPr>
+          <a:xfrm>
+            <a:off x="1300562" y="1836420"/>
+            <a:ext cx="8392077" cy="4726272"/>
+          </a:xfrm>
+        </p:spPr>
+      </p:pic>
+    </p:spTree>
+    <p:extLst>
+      <p:ext uri="{BB962C8B-B14F-4D97-AF65-F5344CB8AC3E}">
+        <p14:creationId xmlns:p14="http://schemas.microsoft.com/office/powerpoint/2010/main" val="969027312"/>
       </p:ext>
     </p:extLst>
   </p:cSld>
@@ -5624,4 +9503,299 @@
     </a:ext>
   </a:extLst>
 </a:theme>
+</file>
+
+<file path=ppt/theme/theme2.xml><?xml version="1.0" encoding="utf-8"?>
+<a:theme xmlns:a="http://schemas.openxmlformats.org/drawingml/2006/main" name="Office Theme">
+  <a:themeElements>
+    <a:clrScheme name="Office">
+      <a:dk1>
+        <a:sysClr val="windowText" lastClr="000000"/>
+      </a:dk1>
+      <a:lt1>
+        <a:sysClr val="window" lastClr="FFFFFF"/>
+      </a:lt1>
+      <a:dk2>
+        <a:srgbClr val="44546A"/>
+      </a:dk2>
+      <a:lt2>
+        <a:srgbClr val="E7E6E6"/>
+      </a:lt2>
+      <a:accent1>
+        <a:srgbClr val="4472C4"/>
+      </a:accent1>
+      <a:accent2>
+        <a:srgbClr val="ED7D31"/>
+      </a:accent2>
+      <a:accent3>
+        <a:srgbClr val="A5A5A5"/>
+      </a:accent3>
+      <a:accent4>
+        <a:srgbClr val="FFC000"/>
+      </a:accent4>
+      <a:accent5>
+        <a:srgbClr val="5B9BD5"/>
+      </a:accent5>
+      <a:accent6>
+        <a:srgbClr val="70AD47"/>
+      </a:accent6>
+      <a:hlink>
+        <a:srgbClr val="0563C1"/>
+      </a:hlink>
+      <a:folHlink>
+        <a:srgbClr val="954F72"/>
+      </a:folHlink>
+    </a:clrScheme>
+    <a:fontScheme name="Office">
+      <a:majorFont>
+        <a:latin typeface="Calibri Light" panose="020F0302020204030204"/>
+        <a:ea typeface=""/>
+        <a:cs typeface=""/>
+        <a:font script="Jpan" typeface="游ゴシック Light"/>
+        <a:font script="Hang" typeface="맑은 고딕"/>
+        <a:font script="Hans" typeface="等线 Light"/>
+        <a:font script="Hant" typeface="新細明體"/>
+        <a:font script="Arab" typeface="Times New Roman"/>
+        <a:font script="Hebr" typeface="Times New Roman"/>
+        <a:font script="Thai" typeface="Angsana New"/>
+        <a:font script="Ethi" typeface="Nyala"/>
+        <a:font script="Beng" typeface="Vrinda"/>
+        <a:font script="Gujr" typeface="Shruti"/>
+        <a:font script="Khmr" typeface="MoolBoran"/>
+        <a:font script="Knda" typeface="Tunga"/>
+        <a:font script="Guru" typeface="Raavi"/>
+        <a:font script="Cans" typeface="Euphemia"/>
+        <a:font script="Cher" typeface="Plantagenet Cherokee"/>
+        <a:font script="Yiii" typeface="Microsoft Yi Baiti"/>
+        <a:font script="Tibt" typeface="Microsoft Himalaya"/>
+        <a:font script="Thaa" typeface="MV Boli"/>
+        <a:font script="Deva" typeface="Mangal"/>
+        <a:font script="Telu" typeface="Gautami"/>
+        <a:font script="Taml" typeface="Latha"/>
+        <a:font script="Syrc" typeface="Estrangelo Edessa"/>
+        <a:font script="Orya" typeface="Kalinga"/>
+        <a:font script="Mlym" typeface="Kartika"/>
+        <a:font script="Laoo" typeface="DokChampa"/>
+        <a:font script="Sinh" typeface="Iskoola Pota"/>
+        <a:font script="Mong" typeface="Mongolian Baiti"/>
+        <a:font script="Viet" typeface="Times New Roman"/>
+        <a:font script="Uigh" typeface="Microsoft Uighur"/>
+        <a:font script="Geor" typeface="Sylfaen"/>
+        <a:font script="Armn" typeface="Arial"/>
+        <a:font script="Bugi" typeface="Leelawadee UI"/>
+        <a:font script="Bopo" typeface="Microsoft JhengHei"/>
+        <a:font script="Java" typeface="Javanese Text"/>
+        <a:font script="Lisu" typeface="Segoe UI"/>
+        <a:font script="Mymr" typeface="Myanmar Text"/>
+        <a:font script="Nkoo" typeface="Ebrima"/>
+        <a:font script="Olck" typeface="Nirmala UI"/>
+        <a:font script="Osma" typeface="Ebrima"/>
+        <a:font script="Phag" typeface="Phagspa"/>
+        <a:font script="Syrn" typeface="Estrangelo Edessa"/>
+        <a:font script="Syrj" typeface="Estrangelo Edessa"/>
+        <a:font script="Syre" typeface="Estrangelo Edessa"/>
+        <a:font script="Sora" typeface="Nirmala UI"/>
+        <a:font script="Tale" typeface="Microsoft Tai Le"/>
+        <a:font script="Talu" typeface="Microsoft New Tai Lue"/>
+        <a:font script="Tfng" typeface="Ebrima"/>
+      </a:majorFont>
+      <a:minorFont>
+        <a:latin typeface="Calibri" panose="020F0502020204030204"/>
+        <a:ea typeface=""/>
+        <a:cs typeface=""/>
+        <a:font script="Jpan" typeface="游ゴシック"/>
+        <a:font script="Hang" typeface="맑은 고딕"/>
+        <a:font script="Hans" typeface="等线"/>
+        <a:font script="Hant" typeface="新細明體"/>
+        <a:font script="Arab" typeface="Arial"/>
+        <a:font script="Hebr" typeface="Arial"/>
+        <a:font script="Thai" typeface="Cordia New"/>
+        <a:font script="Ethi" typeface="Nyala"/>
+        <a:font script="Beng" typeface="Vrinda"/>
+        <a:font script="Gujr" typeface="Shruti"/>
+        <a:font script="Khmr" typeface="DaunPenh"/>
+        <a:font script="Knda" typeface="Tunga"/>
+        <a:font script="Guru" typeface="Raavi"/>
+        <a:font script="Cans" typeface="Euphemia"/>
+        <a:font script="Cher" typeface="Plantagenet Cherokee"/>
+        <a:font script="Yiii" typeface="Microsoft Yi Baiti"/>
+        <a:font script="Tibt" typeface="Microsoft Himalaya"/>
+        <a:font script="Thaa" typeface="MV Boli"/>
+        <a:font script="Deva" typeface="Mangal"/>
+        <a:font script="Telu" typeface="Gautami"/>
+        <a:font script="Taml" typeface="Latha"/>
+        <a:font script="Syrc" typeface="Estrangelo Edessa"/>
+        <a:font script="Orya" typeface="Kalinga"/>
+        <a:font script="Mlym" typeface="Kartika"/>
+        <a:font script="Laoo" typeface="DokChampa"/>
+        <a:font script="Sinh" typeface="Iskoola Pota"/>
+        <a:font script="Mong" typeface="Mongolian Baiti"/>
+        <a:font script="Viet" typeface="Arial"/>
+        <a:font script="Uigh" typeface="Microsoft Uighur"/>
+        <a:font script="Geor" typeface="Sylfaen"/>
+        <a:font script="Armn" typeface="Arial"/>
+        <a:font script="Bugi" typeface="Leelawadee UI"/>
+        <a:font script="Bopo" typeface="Microsoft JhengHei"/>
+        <a:font script="Java" typeface="Javanese Text"/>
+        <a:font script="Lisu" typeface="Segoe UI"/>
+        <a:font script="Mymr" typeface="Myanmar Text"/>
+        <a:font script="Nkoo" typeface="Ebrima"/>
+        <a:font script="Olck" typeface="Nirmala UI"/>
+        <a:font script="Osma" typeface="Ebrima"/>
+        <a:font script="Phag" typeface="Phagspa"/>
+        <a:font script="Syrn" typeface="Estrangelo Edessa"/>
+        <a:font script="Syrj" typeface="Estrangelo Edessa"/>
+        <a:font script="Syre" typeface="Estrangelo Edessa"/>
+        <a:font script="Sora" typeface="Nirmala UI"/>
+        <a:font script="Tale" typeface="Microsoft Tai Le"/>
+        <a:font script="Talu" typeface="Microsoft New Tai Lue"/>
+        <a:font script="Tfng" typeface="Ebrima"/>
+      </a:minorFont>
+    </a:fontScheme>
+    <a:fmtScheme name="Office">
+      <a:fillStyleLst>
+        <a:solidFill>
+          <a:schemeClr val="phClr"/>
+        </a:solidFill>
+        <a:gradFill rotWithShape="1">
+          <a:gsLst>
+            <a:gs pos="0">
+              <a:schemeClr val="phClr">
+                <a:lumMod val="110000"/>
+                <a:satMod val="105000"/>
+                <a:tint val="67000"/>
+              </a:schemeClr>
+            </a:gs>
+            <a:gs pos="50000">
+              <a:schemeClr val="phClr">
+                <a:lumMod val="105000"/>
+                <a:satMod val="103000"/>
+                <a:tint val="73000"/>
+              </a:schemeClr>
+            </a:gs>
+            <a:gs pos="100000">
+              <a:schemeClr val="phClr">
+                <a:lumMod val="105000"/>
+                <a:satMod val="109000"/>
+                <a:tint val="81000"/>
+              </a:schemeClr>
+            </a:gs>
+          </a:gsLst>
+          <a:lin ang="5400000" scaled="0"/>
+        </a:gradFill>
+        <a:gradFill rotWithShape="1">
+          <a:gsLst>
+            <a:gs pos="0">
+              <a:schemeClr val="phClr">
+                <a:satMod val="103000"/>
+                <a:lumMod val="102000"/>
+                <a:tint val="94000"/>
+              </a:schemeClr>
+            </a:gs>
+            <a:gs pos="50000">
+              <a:schemeClr val="phClr">
+                <a:satMod val="110000"/>
+                <a:lumMod val="100000"/>
+                <a:shade val="100000"/>
+              </a:schemeClr>
+            </a:gs>
+            <a:gs pos="100000">
+              <a:schemeClr val="phClr">
+                <a:lumMod val="99000"/>
+                <a:satMod val="120000"/>
+                <a:shade val="78000"/>
+              </a:schemeClr>
+            </a:gs>
+          </a:gsLst>
+          <a:lin ang="5400000" scaled="0"/>
+        </a:gradFill>
+      </a:fillStyleLst>
+      <a:lnStyleLst>
+        <a:ln w="6350" cap="flat" cmpd="sng" algn="ctr">
+          <a:solidFill>
+            <a:schemeClr val="phClr"/>
+          </a:solidFill>
+          <a:prstDash val="solid"/>
+          <a:miter lim="800000"/>
+        </a:ln>
+        <a:ln w="12700" cap="flat" cmpd="sng" algn="ctr">
+          <a:solidFill>
+            <a:schemeClr val="phClr"/>
+          </a:solidFill>
+          <a:prstDash val="solid"/>
+          <a:miter lim="800000"/>
+        </a:ln>
+        <a:ln w="19050" cap="flat" cmpd="sng" algn="ctr">
+          <a:solidFill>
+            <a:schemeClr val="phClr"/>
+          </a:solidFill>
+          <a:prstDash val="solid"/>
+          <a:miter lim="800000"/>
+        </a:ln>
+      </a:lnStyleLst>
+      <a:effectStyleLst>
+        <a:effectStyle>
+          <a:effectLst/>
+        </a:effectStyle>
+        <a:effectStyle>
+          <a:effectLst/>
+        </a:effectStyle>
+        <a:effectStyle>
+          <a:effectLst>
+            <a:outerShdw blurRad="57150" dist="19050" dir="5400000" algn="ctr" rotWithShape="0">
+              <a:srgbClr val="000000">
+                <a:alpha val="63000"/>
+              </a:srgbClr>
+            </a:outerShdw>
+          </a:effectLst>
+        </a:effectStyle>
+      </a:effectStyleLst>
+      <a:bgFillStyleLst>
+        <a:solidFill>
+          <a:schemeClr val="phClr"/>
+        </a:solidFill>
+        <a:solidFill>
+          <a:schemeClr val="phClr">
+            <a:tint val="95000"/>
+            <a:satMod val="170000"/>
+          </a:schemeClr>
+        </a:solidFill>
+        <a:gradFill rotWithShape="1">
+          <a:gsLst>
+            <a:gs pos="0">
+              <a:schemeClr val="phClr">
+                <a:tint val="93000"/>
+                <a:satMod val="150000"/>
+                <a:shade val="98000"/>
+                <a:lumMod val="102000"/>
+              </a:schemeClr>
+            </a:gs>
+            <a:gs pos="50000">
+              <a:schemeClr val="phClr">
+                <a:tint val="98000"/>
+                <a:satMod val="130000"/>
+                <a:shade val="90000"/>
+                <a:lumMod val="103000"/>
+              </a:schemeClr>
+            </a:gs>
+            <a:gs pos="100000">
+              <a:schemeClr val="phClr">
+                <a:shade val="63000"/>
+                <a:satMod val="120000"/>
+              </a:schemeClr>
+            </a:gs>
+          </a:gsLst>
+          <a:lin ang="5400000" scaled="0"/>
+        </a:gradFill>
+      </a:bgFillStyleLst>
+    </a:fmtScheme>
+  </a:themeElements>
+  <a:objectDefaults/>
+  <a:extraClrSchemeLst/>
+  <a:extLst>
+    <a:ext uri="{05A4C25C-085E-4340-85A3-A5531E510DB2}">
+      <thm15:themeFamily xmlns:thm15="http://schemas.microsoft.com/office/thememl/2012/main" name="Office Theme" id="{62F939B6-93AF-4DB8-9C6B-D6C7DFDC589F}" vid="{4A3C46E8-61CC-4603-A589-7422A47A8E4A}"/>
+    </a:ext>
+  </a:extLst>
+</a:theme>
 </file>